--- a/workshop_4.4.18/workshop_4.4.pptx
+++ b/workshop_4.4.18/workshop_4.4.pptx
@@ -5,57 +5,56 @@
     <p:sldMasterId id="2147483648" r:id="rId1"/>
   </p:sldMasterIdLst>
   <p:notesMasterIdLst>
-    <p:notesMasterId r:id="rId50"/>
+    <p:notesMasterId r:id="rId49"/>
   </p:notesMasterIdLst>
   <p:sldIdLst>
     <p:sldId id="256" r:id="rId2"/>
     <p:sldId id="257" r:id="rId3"/>
     <p:sldId id="260" r:id="rId4"/>
-    <p:sldId id="259" r:id="rId5"/>
-    <p:sldId id="325" r:id="rId6"/>
-    <p:sldId id="327" r:id="rId7"/>
-    <p:sldId id="266" r:id="rId8"/>
-    <p:sldId id="326" r:id="rId9"/>
-    <p:sldId id="333" r:id="rId10"/>
-    <p:sldId id="299" r:id="rId11"/>
-    <p:sldId id="330" r:id="rId12"/>
-    <p:sldId id="331" r:id="rId13"/>
-    <p:sldId id="332" r:id="rId14"/>
-    <p:sldId id="329" r:id="rId15"/>
-    <p:sldId id="328" r:id="rId16"/>
-    <p:sldId id="335" r:id="rId17"/>
-    <p:sldId id="336" r:id="rId18"/>
-    <p:sldId id="337" r:id="rId19"/>
-    <p:sldId id="338" r:id="rId20"/>
-    <p:sldId id="306" r:id="rId21"/>
-    <p:sldId id="312" r:id="rId22"/>
-    <p:sldId id="313" r:id="rId23"/>
-    <p:sldId id="278" r:id="rId24"/>
-    <p:sldId id="302" r:id="rId25"/>
-    <p:sldId id="300" r:id="rId26"/>
-    <p:sldId id="301" r:id="rId27"/>
-    <p:sldId id="303" r:id="rId28"/>
-    <p:sldId id="304" r:id="rId29"/>
-    <p:sldId id="305" r:id="rId30"/>
-    <p:sldId id="307" r:id="rId31"/>
-    <p:sldId id="308" r:id="rId32"/>
-    <p:sldId id="281" r:id="rId33"/>
-    <p:sldId id="283" r:id="rId34"/>
-    <p:sldId id="284" r:id="rId35"/>
-    <p:sldId id="293" r:id="rId36"/>
-    <p:sldId id="294" r:id="rId37"/>
-    <p:sldId id="271" r:id="rId38"/>
-    <p:sldId id="272" r:id="rId39"/>
-    <p:sldId id="285" r:id="rId40"/>
-    <p:sldId id="296" r:id="rId41"/>
-    <p:sldId id="289" r:id="rId42"/>
-    <p:sldId id="290" r:id="rId43"/>
-    <p:sldId id="288" r:id="rId44"/>
-    <p:sldId id="297" r:id="rId45"/>
-    <p:sldId id="309" r:id="rId46"/>
-    <p:sldId id="310" r:id="rId47"/>
-    <p:sldId id="311" r:id="rId48"/>
-    <p:sldId id="314" r:id="rId49"/>
+    <p:sldId id="325" r:id="rId5"/>
+    <p:sldId id="327" r:id="rId6"/>
+    <p:sldId id="266" r:id="rId7"/>
+    <p:sldId id="326" r:id="rId8"/>
+    <p:sldId id="333" r:id="rId9"/>
+    <p:sldId id="299" r:id="rId10"/>
+    <p:sldId id="330" r:id="rId11"/>
+    <p:sldId id="331" r:id="rId12"/>
+    <p:sldId id="332" r:id="rId13"/>
+    <p:sldId id="329" r:id="rId14"/>
+    <p:sldId id="328" r:id="rId15"/>
+    <p:sldId id="335" r:id="rId16"/>
+    <p:sldId id="336" r:id="rId17"/>
+    <p:sldId id="337" r:id="rId18"/>
+    <p:sldId id="338" r:id="rId19"/>
+    <p:sldId id="306" r:id="rId20"/>
+    <p:sldId id="312" r:id="rId21"/>
+    <p:sldId id="313" r:id="rId22"/>
+    <p:sldId id="278" r:id="rId23"/>
+    <p:sldId id="302" r:id="rId24"/>
+    <p:sldId id="300" r:id="rId25"/>
+    <p:sldId id="301" r:id="rId26"/>
+    <p:sldId id="303" r:id="rId27"/>
+    <p:sldId id="304" r:id="rId28"/>
+    <p:sldId id="305" r:id="rId29"/>
+    <p:sldId id="307" r:id="rId30"/>
+    <p:sldId id="308" r:id="rId31"/>
+    <p:sldId id="281" r:id="rId32"/>
+    <p:sldId id="283" r:id="rId33"/>
+    <p:sldId id="284" r:id="rId34"/>
+    <p:sldId id="293" r:id="rId35"/>
+    <p:sldId id="294" r:id="rId36"/>
+    <p:sldId id="271" r:id="rId37"/>
+    <p:sldId id="272" r:id="rId38"/>
+    <p:sldId id="285" r:id="rId39"/>
+    <p:sldId id="296" r:id="rId40"/>
+    <p:sldId id="289" r:id="rId41"/>
+    <p:sldId id="290" r:id="rId42"/>
+    <p:sldId id="288" r:id="rId43"/>
+    <p:sldId id="297" r:id="rId44"/>
+    <p:sldId id="309" r:id="rId45"/>
+    <p:sldId id="310" r:id="rId46"/>
+    <p:sldId id="311" r:id="rId47"/>
+    <p:sldId id="314" r:id="rId48"/>
   </p:sldIdLst>
   <p:sldSz cx="12192000" cy="6858000"/>
   <p:notesSz cx="6858000" cy="9144000"/>
@@ -717,7 +716,7 @@
           <a:p>
             <a:fld id="{CF24D270-EE27-4FF9-85E5-DE934FBAC1A2}" type="slidenum">
               <a:rPr lang="en-US" smtClean="0"/>
-              <a:t>25</a:t>
+              <a:t>24</a:t>
             </a:fld>
             <a:endParaRPr lang="en-US"/>
           </a:p>
@@ -801,7 +800,7 @@
           <a:p>
             <a:fld id="{CF24D270-EE27-4FF9-85E5-DE934FBAC1A2}" type="slidenum">
               <a:rPr lang="en-US" smtClean="0"/>
-              <a:t>26</a:t>
+              <a:t>25</a:t>
             </a:fld>
             <a:endParaRPr lang="en-US"/>
           </a:p>
@@ -1319,7 +1318,7 @@
           <a:p>
             <a:fld id="{CF24D270-EE27-4FF9-85E5-DE934FBAC1A2}" type="slidenum">
               <a:rPr lang="en-US" smtClean="0"/>
-              <a:t>27</a:t>
+              <a:t>26</a:t>
             </a:fld>
             <a:endParaRPr lang="en-US"/>
           </a:p>
@@ -1406,7 +1405,7 @@
           <a:p>
             <a:fld id="{CF24D270-EE27-4FF9-85E5-DE934FBAC1A2}" type="slidenum">
               <a:rPr lang="en-US" smtClean="0"/>
-              <a:t>28</a:t>
+              <a:t>27</a:t>
             </a:fld>
             <a:endParaRPr lang="en-US"/>
           </a:p>
@@ -1490,7 +1489,7 @@
           <a:p>
             <a:fld id="{CF24D270-EE27-4FF9-85E5-DE934FBAC1A2}" type="slidenum">
               <a:rPr lang="en-US" smtClean="0"/>
-              <a:t>36</a:t>
+              <a:t>35</a:t>
             </a:fld>
             <a:endParaRPr lang="en-US"/>
           </a:p>
@@ -1846,7 +1845,7 @@
           <a:p>
             <a:fld id="{CF24D270-EE27-4FF9-85E5-DE934FBAC1A2}" type="slidenum">
               <a:rPr lang="en-US" smtClean="0"/>
-              <a:t>37</a:t>
+              <a:t>36</a:t>
             </a:fld>
             <a:endParaRPr lang="en-US"/>
           </a:p>
@@ -1941,7 +1940,7 @@
           <a:p>
             <a:fld id="{CF24D270-EE27-4FF9-85E5-DE934FBAC1A2}" type="slidenum">
               <a:rPr lang="en-US" smtClean="0"/>
-              <a:t>38</a:t>
+              <a:t>37</a:t>
             </a:fld>
             <a:endParaRPr lang="en-US"/>
           </a:p>
@@ -2057,7 +2056,7 @@
           <a:p>
             <a:fld id="{CF24D270-EE27-4FF9-85E5-DE934FBAC1A2}" type="slidenum">
               <a:rPr lang="en-US" smtClean="0"/>
-              <a:t>39</a:t>
+              <a:t>38</a:t>
             </a:fld>
             <a:endParaRPr lang="en-US"/>
           </a:p>
@@ -2141,7 +2140,7 @@
           <a:p>
             <a:fld id="{CF24D270-EE27-4FF9-85E5-DE934FBAC1A2}" type="slidenum">
               <a:rPr lang="en-US" smtClean="0"/>
-              <a:t>41</a:t>
+              <a:t>40</a:t>
             </a:fld>
             <a:endParaRPr lang="en-US"/>
           </a:p>
@@ -2225,7 +2224,7 @@
           <a:p>
             <a:fld id="{CF24D270-EE27-4FF9-85E5-DE934FBAC1A2}" type="slidenum">
               <a:rPr lang="en-US" smtClean="0"/>
-              <a:t>43</a:t>
+              <a:t>42</a:t>
             </a:fld>
             <a:endParaRPr lang="en-US"/>
           </a:p>
@@ -2444,7 +2443,7 @@
           <a:p>
             <a:fld id="{CF24D270-EE27-4FF9-85E5-DE934FBAC1A2}" type="slidenum">
               <a:rPr lang="en-US" smtClean="0"/>
-              <a:t>44</a:t>
+              <a:t>43</a:t>
             </a:fld>
             <a:endParaRPr lang="en-US"/>
           </a:p>
@@ -2539,7 +2538,7 @@
           <a:p>
             <a:fld id="{CF24D270-EE27-4FF9-85E5-DE934FBAC1A2}" type="slidenum">
               <a:rPr lang="en-US" smtClean="0"/>
-              <a:t>45</a:t>
+              <a:t>44</a:t>
             </a:fld>
             <a:endParaRPr lang="en-US"/>
           </a:p>
@@ -2634,7 +2633,7 @@
           <a:p>
             <a:fld id="{CF24D270-EE27-4FF9-85E5-DE934FBAC1A2}" type="slidenum">
               <a:rPr lang="en-US" smtClean="0"/>
-              <a:t>46</a:t>
+              <a:t>45</a:t>
             </a:fld>
             <a:endParaRPr lang="en-US"/>
           </a:p>
@@ -2735,7 +2734,7 @@
           <a:p>
             <a:fld id="{CF24D270-EE27-4FF9-85E5-DE934FBAC1A2}" type="slidenum">
               <a:rPr lang="en-US" smtClean="0"/>
-              <a:t>48</a:t>
+              <a:t>47</a:t>
             </a:fld>
             <a:endParaRPr lang="en-US"/>
           </a:p>
@@ -2901,129 +2900,6 @@
           <a:p>
             <a:r>
               <a:rPr lang="en-US" dirty="0"/>
-              <a:t>Monte </a:t>
-            </a:r>
-            <a:r>
-              <a:rPr lang="en-US" dirty="0" err="1"/>
-              <a:t>carlo</a:t>
-            </a:r>
-            <a:r>
-              <a:rPr lang="en-US" dirty="0"/>
-              <a:t> simulation: millions is too high</a:t>
-            </a:r>
-          </a:p>
-          <a:p>
-            <a:r>
-              <a:rPr lang="en-US" dirty="0"/>
-              <a:t>Execute a controller that simulates individual particles. Too expensive. One simulation = generate a million particles, then you have to simulate the million particles with noise. See what proportion of particles had a collision = p of collision for that simulation. Then, average all of the p’s of collision</a:t>
-            </a:r>
-          </a:p>
-          <a:p>
-            <a:endParaRPr lang="en-US" dirty="0"/>
-          </a:p>
-          <a:p>
-            <a:r>
-              <a:rPr lang="en-US" b="1" dirty="0"/>
-              <a:t>Conservative</a:t>
-            </a:r>
-            <a:r>
-              <a:rPr lang="en-US" dirty="0"/>
-              <a:t>: Underestimate of the probability</a:t>
-            </a:r>
-          </a:p>
-          <a:p>
-            <a:endParaRPr lang="en-US" dirty="0"/>
-          </a:p>
-          <a:p>
-            <a:r>
-              <a:rPr lang="en-US" dirty="0"/>
-              <a:t>Can’t tree collision probabilities as independent events, otherwise you’ll highly overestimate the probability of collision with general analytical approaches that try to multiply proportions of particles colliding in individual particle distributions. Monte-Carlo would be more accurate in this case</a:t>
-            </a:r>
-          </a:p>
-        </p:txBody>
-      </p:sp>
-      <p:sp>
-        <p:nvSpPr>
-          <p:cNvPr id="4" name="Slide Number Placeholder 3"/>
-          <p:cNvSpPr>
-            <a:spLocks noGrp="1"/>
-          </p:cNvSpPr>
-          <p:nvPr>
-            <p:ph type="sldNum" sz="quarter" idx="10"/>
-          </p:nvPr>
-        </p:nvSpPr>
-        <p:spPr/>
-        <p:txBody>
-          <a:bodyPr/>
-          <a:lstStyle/>
-          <a:p>
-            <a:fld id="{CF24D270-EE27-4FF9-85E5-DE934FBAC1A2}" type="slidenum">
-              <a:rPr lang="en-US" smtClean="0"/>
-              <a:t>4</a:t>
-            </a:fld>
-            <a:endParaRPr lang="en-US"/>
-          </a:p>
-        </p:txBody>
-      </p:sp>
-    </p:spTree>
-    <p:extLst>
-      <p:ext uri="{BB962C8B-B14F-4D97-AF65-F5344CB8AC3E}">
-        <p14:creationId xmlns:p14="http://schemas.microsoft.com/office/powerpoint/2010/main" val="2517950556"/>
-      </p:ext>
-    </p:extLst>
-  </p:cSld>
-  <p:clrMapOvr>
-    <a:masterClrMapping/>
-  </p:clrMapOvr>
-</p:notes>
-</file>
-
-<file path=ppt/notesSlides/notesSlide5.xml><?xml version="1.0" encoding="utf-8"?>
-<p:notes xmlns:a="http://schemas.openxmlformats.org/drawingml/2006/main" xmlns:r="http://schemas.openxmlformats.org/officeDocument/2006/relationships" xmlns:p="http://schemas.openxmlformats.org/presentationml/2006/main">
-  <p:cSld>
-    <p:spTree>
-      <p:nvGrpSpPr>
-        <p:cNvPr id="1" name=""/>
-        <p:cNvGrpSpPr/>
-        <p:nvPr/>
-      </p:nvGrpSpPr>
-      <p:grpSpPr>
-        <a:xfrm>
-          <a:off x="0" y="0"/>
-          <a:ext cx="0" cy="0"/>
-          <a:chOff x="0" y="0"/>
-          <a:chExt cx="0" cy="0"/>
-        </a:xfrm>
-      </p:grpSpPr>
-      <p:sp>
-        <p:nvSpPr>
-          <p:cNvPr id="2" name="Slide Image Placeholder 1"/>
-          <p:cNvSpPr>
-            <a:spLocks noGrp="1" noRot="1" noChangeAspect="1"/>
-          </p:cNvSpPr>
-          <p:nvPr>
-            <p:ph type="sldImg"/>
-          </p:nvPr>
-        </p:nvSpPr>
-        <p:spPr/>
-      </p:sp>
-      <p:sp>
-        <p:nvSpPr>
-          <p:cNvPr id="3" name="Notes Placeholder 2"/>
-          <p:cNvSpPr>
-            <a:spLocks noGrp="1"/>
-          </p:cNvSpPr>
-          <p:nvPr>
-            <p:ph type="body" idx="1"/>
-          </p:nvPr>
-        </p:nvSpPr>
-        <p:spPr/>
-        <p:txBody>
-          <a:bodyPr/>
-          <a:lstStyle/>
-          <a:p>
-            <a:r>
-              <a:rPr lang="en-US" dirty="0"/>
               <a:t>Grey ellipses yield an appropriate estimate. See Fig 1 in paper</a:t>
             </a:r>
           </a:p>
@@ -3046,7 +2922,7 @@
           <a:p>
             <a:fld id="{CF24D270-EE27-4FF9-85E5-DE934FBAC1A2}" type="slidenum">
               <a:rPr lang="en-US" smtClean="0"/>
-              <a:t>10</a:t>
+              <a:t>9</a:t>
             </a:fld>
             <a:endParaRPr lang="en-US"/>
           </a:p>
@@ -3065,7 +2941,7 @@
 </p:notes>
 </file>
 
-<file path=ppt/notesSlides/notesSlide6.xml><?xml version="1.0" encoding="utf-8"?>
+<file path=ppt/notesSlides/notesSlide5.xml><?xml version="1.0" encoding="utf-8"?>
 <p:notes xmlns:a="http://schemas.openxmlformats.org/drawingml/2006/main" xmlns:r="http://schemas.openxmlformats.org/officeDocument/2006/relationships" xmlns:p="http://schemas.openxmlformats.org/presentationml/2006/main">
   <p:cSld>
     <p:spTree>
@@ -3162,7 +3038,7 @@
           <a:p>
             <a:fld id="{CF24D270-EE27-4FF9-85E5-DE934FBAC1A2}" type="slidenum">
               <a:rPr lang="en-US" smtClean="0"/>
-              <a:t>11</a:t>
+              <a:t>10</a:t>
             </a:fld>
             <a:endParaRPr lang="en-US"/>
           </a:p>
@@ -3172,6 +3048,93 @@
     <p:extLst>
       <p:ext uri="{BB962C8B-B14F-4D97-AF65-F5344CB8AC3E}">
         <p14:creationId xmlns:p14="http://schemas.microsoft.com/office/powerpoint/2010/main" val="4239762276"/>
+      </p:ext>
+    </p:extLst>
+  </p:cSld>
+  <p:clrMapOvr>
+    <a:masterClrMapping/>
+  </p:clrMapOvr>
+</p:notes>
+</file>
+
+<file path=ppt/notesSlides/notesSlide6.xml><?xml version="1.0" encoding="utf-8"?>
+<p:notes xmlns:a="http://schemas.openxmlformats.org/drawingml/2006/main" xmlns:r="http://schemas.openxmlformats.org/officeDocument/2006/relationships" xmlns:p="http://schemas.openxmlformats.org/presentationml/2006/main">
+  <p:cSld>
+    <p:spTree>
+      <p:nvGrpSpPr>
+        <p:cNvPr id="1" name=""/>
+        <p:cNvGrpSpPr/>
+        <p:nvPr/>
+      </p:nvGrpSpPr>
+      <p:grpSpPr>
+        <a:xfrm>
+          <a:off x="0" y="0"/>
+          <a:ext cx="0" cy="0"/>
+          <a:chOff x="0" y="0"/>
+          <a:chExt cx="0" cy="0"/>
+        </a:xfrm>
+      </p:grpSpPr>
+      <p:sp>
+        <p:nvSpPr>
+          <p:cNvPr id="2" name="Slide Image Placeholder 1"/>
+          <p:cNvSpPr>
+            <a:spLocks noGrp="1" noRot="1" noChangeAspect="1"/>
+          </p:cNvSpPr>
+          <p:nvPr>
+            <p:ph type="sldImg"/>
+          </p:nvPr>
+        </p:nvSpPr>
+        <p:spPr/>
+      </p:sp>
+      <p:sp>
+        <p:nvSpPr>
+          <p:cNvPr id="3" name="Notes Placeholder 2"/>
+          <p:cNvSpPr>
+            <a:spLocks noGrp="1"/>
+          </p:cNvSpPr>
+          <p:nvPr>
+            <p:ph type="body" idx="1"/>
+          </p:nvPr>
+        </p:nvSpPr>
+        <p:spPr/>
+        <p:txBody>
+          <a:bodyPr/>
+          <a:lstStyle/>
+          <a:p>
+            <a:r>
+              <a:rPr lang="en-US" dirty="0"/>
+              <a:t>Truncation based on obstacles affects the individual collision probabilities</a:t>
+            </a:r>
+          </a:p>
+        </p:txBody>
+      </p:sp>
+      <p:sp>
+        <p:nvSpPr>
+          <p:cNvPr id="4" name="Slide Number Placeholder 3"/>
+          <p:cNvSpPr>
+            <a:spLocks noGrp="1"/>
+          </p:cNvSpPr>
+          <p:nvPr>
+            <p:ph type="sldNum" sz="quarter" idx="10"/>
+          </p:nvPr>
+        </p:nvSpPr>
+        <p:spPr/>
+        <p:txBody>
+          <a:bodyPr/>
+          <a:lstStyle/>
+          <a:p>
+            <a:fld id="{CF24D270-EE27-4FF9-85E5-DE934FBAC1A2}" type="slidenum">
+              <a:rPr lang="en-US" smtClean="0"/>
+              <a:t>12</a:t>
+            </a:fld>
+            <a:endParaRPr lang="en-US"/>
+          </a:p>
+        </p:txBody>
+      </p:sp>
+    </p:spTree>
+    <p:extLst>
+      <p:ext uri="{BB962C8B-B14F-4D97-AF65-F5344CB8AC3E}">
+        <p14:creationId xmlns:p14="http://schemas.microsoft.com/office/powerpoint/2010/main" val="4159676633"/>
       </p:ext>
     </p:extLst>
   </p:cSld>
@@ -3263,7 +3226,7 @@
           <a:p>
             <a:fld id="{CF24D270-EE27-4FF9-85E5-DE934FBAC1A2}" type="slidenum">
               <a:rPr lang="en-US" smtClean="0"/>
-              <a:t>17</a:t>
+              <a:t>16</a:t>
             </a:fld>
             <a:endParaRPr lang="en-US"/>
           </a:p>
@@ -3350,7 +3313,7 @@
           <a:p>
             <a:fld id="{CF24D270-EE27-4FF9-85E5-DE934FBAC1A2}" type="slidenum">
               <a:rPr lang="en-US" smtClean="0"/>
-              <a:t>18</a:t>
+              <a:t>17</a:t>
             </a:fld>
             <a:endParaRPr lang="en-US"/>
           </a:p>
@@ -3437,7 +3400,7 @@
           <a:p>
             <a:fld id="{CF24D270-EE27-4FF9-85E5-DE934FBAC1A2}" type="slidenum">
               <a:rPr lang="en-US" smtClean="0"/>
-              <a:t>24</a:t>
+              <a:t>23</a:t>
             </a:fld>
             <a:endParaRPr lang="en-US"/>
           </a:p>
@@ -6741,7 +6704,7 @@
           <a:p>
             <a:r>
               <a:rPr lang="en-US" dirty="0"/>
-              <a:t>Inspired from work by </a:t>
+              <a:t>Project inspired by work from </a:t>
             </a:r>
             <a:r>
               <a:rPr lang="en-US" dirty="0" err="1"/>
@@ -6782,152 +6745,6 @@
 </file>
 
 <file path=ppt/slides/slide10.xml><?xml version="1.0" encoding="utf-8"?>
-<p:sld xmlns:a="http://schemas.openxmlformats.org/drawingml/2006/main" xmlns:r="http://schemas.openxmlformats.org/officeDocument/2006/relationships" xmlns:p="http://schemas.openxmlformats.org/presentationml/2006/main">
-  <p:cSld>
-    <p:spTree>
-      <p:nvGrpSpPr>
-        <p:cNvPr id="1" name=""/>
-        <p:cNvGrpSpPr/>
-        <p:nvPr/>
-      </p:nvGrpSpPr>
-      <p:grpSpPr>
-        <a:xfrm>
-          <a:off x="0" y="0"/>
-          <a:ext cx="0" cy="0"/>
-          <a:chOff x="0" y="0"/>
-          <a:chExt cx="0" cy="0"/>
-        </a:xfrm>
-      </p:grpSpPr>
-      <p:pic>
-        <p:nvPicPr>
-          <p:cNvPr id="5" name="Picture 4">
-            <a:extLst>
-              <a:ext uri="{FF2B5EF4-FFF2-40B4-BE49-F238E27FC236}">
-                <a16:creationId xmlns:a16="http://schemas.microsoft.com/office/drawing/2014/main" id="{C9E50914-F24F-4B8C-BD87-34848F784F3C}"/>
-              </a:ext>
-            </a:extLst>
-          </p:cNvPr>
-          <p:cNvPicPr>
-            <a:picLocks noChangeAspect="1"/>
-          </p:cNvPicPr>
-          <p:nvPr/>
-        </p:nvPicPr>
-        <p:blipFill>
-          <a:blip r:embed="rId3">
-            <a:extLst>
-              <a:ext uri="{28A0092B-C50C-407E-A947-70E740481C1C}">
-                <a14:useLocalDpi xmlns:a14="http://schemas.microsoft.com/office/drawing/2010/main" val="0"/>
-              </a:ext>
-            </a:extLst>
-          </a:blip>
-          <a:stretch>
-            <a:fillRect/>
-          </a:stretch>
-        </p:blipFill>
-        <p:spPr>
-          <a:xfrm>
-            <a:off x="2621371" y="2934927"/>
-            <a:ext cx="6697010" cy="3762900"/>
-          </a:xfrm>
-          <a:prstGeom prst="rect">
-            <a:avLst/>
-          </a:prstGeom>
-        </p:spPr>
-      </p:pic>
-      <p:sp>
-        <p:nvSpPr>
-          <p:cNvPr id="2" name="Title 1">
-            <a:extLst>
-              <a:ext uri="{FF2B5EF4-FFF2-40B4-BE49-F238E27FC236}">
-                <a16:creationId xmlns:a16="http://schemas.microsoft.com/office/drawing/2014/main" id="{A3F0AA6A-96EE-47E6-BB75-C801308161F4}"/>
-              </a:ext>
-            </a:extLst>
-          </p:cNvPr>
-          <p:cNvSpPr>
-            <a:spLocks noGrp="1"/>
-          </p:cNvSpPr>
-          <p:nvPr>
-            <p:ph type="title"/>
-          </p:nvPr>
-        </p:nvSpPr>
-        <p:spPr/>
-        <p:txBody>
-          <a:bodyPr/>
-          <a:lstStyle/>
-          <a:p>
-            <a:r>
-              <a:rPr lang="en-US" dirty="0"/>
-              <a:t>Overview of Approach</a:t>
-            </a:r>
-          </a:p>
-        </p:txBody>
-      </p:sp>
-      <p:sp>
-        <p:nvSpPr>
-          <p:cNvPr id="3" name="Content Placeholder 2">
-            <a:extLst>
-              <a:ext uri="{FF2B5EF4-FFF2-40B4-BE49-F238E27FC236}">
-                <a16:creationId xmlns:a16="http://schemas.microsoft.com/office/drawing/2014/main" id="{5742D368-FCA5-4EDA-91C0-A4B5ECD7C620}"/>
-              </a:ext>
-            </a:extLst>
-          </p:cNvPr>
-          <p:cNvSpPr>
-            <a:spLocks noGrp="1"/>
-          </p:cNvSpPr>
-          <p:nvPr>
-            <p:ph idx="1"/>
-          </p:nvPr>
-        </p:nvSpPr>
-        <p:spPr/>
-        <p:txBody>
-          <a:bodyPr>
-            <a:normAutofit/>
-          </a:bodyPr>
-          <a:lstStyle/>
-          <a:p>
-            <a:r>
-              <a:rPr lang="en-US" dirty="0"/>
-              <a:t>Cycle of propagation and truncation</a:t>
-            </a:r>
-          </a:p>
-          <a:p>
-            <a:pPr lvl="1"/>
-            <a:r>
-              <a:rPr lang="en-US" b="1" dirty="0"/>
-              <a:t>Propagation</a:t>
-            </a:r>
-            <a:r>
-              <a:rPr lang="en-US" dirty="0"/>
-              <a:t> of estimated robot state distribution (Gaussian)</a:t>
-            </a:r>
-          </a:p>
-          <a:p>
-            <a:pPr lvl="1"/>
-            <a:r>
-              <a:rPr lang="en-US" b="1" dirty="0"/>
-              <a:t>Truncation</a:t>
-            </a:r>
-            <a:r>
-              <a:rPr lang="en-US" dirty="0"/>
-              <a:t> of estimated robot state distribution based on obstacles</a:t>
-            </a:r>
-          </a:p>
-        </p:txBody>
-      </p:sp>
-    </p:spTree>
-    <p:extLst>
-      <p:ext uri="{BB962C8B-B14F-4D97-AF65-F5344CB8AC3E}">
-        <p14:creationId xmlns:p14="http://schemas.microsoft.com/office/powerpoint/2010/main" val="505135681"/>
-      </p:ext>
-    </p:extLst>
-  </p:cSld>
-  <p:clrMapOvr>
-    <a:masterClrMapping/>
-  </p:clrMapOvr>
-</p:sld>
-</file>
-
-<file path=ppt/slides/slide11.xml><?xml version="1.0" encoding="utf-8"?>
 <p:sld xmlns:a="http://schemas.openxmlformats.org/drawingml/2006/main" xmlns:r="http://schemas.openxmlformats.org/officeDocument/2006/relationships" xmlns:p="http://schemas.openxmlformats.org/presentationml/2006/main">
   <p:cSld>
     <p:spTree>
@@ -7213,409 +7030,6 @@
           </a:p>
         </p:txBody>
       </p:sp>
-      <p:cxnSp>
-        <p:nvCxnSpPr>
-          <p:cNvPr id="14" name="Straight Connector 13">
-            <a:extLst>
-              <a:ext uri="{FF2B5EF4-FFF2-40B4-BE49-F238E27FC236}">
-                <a16:creationId xmlns:a16="http://schemas.microsoft.com/office/drawing/2014/main" id="{E4692CE0-DBFF-4302-A76D-07561C20B00D}"/>
-              </a:ext>
-            </a:extLst>
-          </p:cNvPr>
-          <p:cNvCxnSpPr>
-            <a:cxnSpLocks/>
-          </p:cNvCxnSpPr>
-          <p:nvPr/>
-        </p:nvCxnSpPr>
-        <p:spPr>
-          <a:xfrm flipH="1">
-            <a:off x="9355885" y="3148330"/>
-            <a:ext cx="409188" cy="500989"/>
-          </a:xfrm>
-          <a:prstGeom prst="line">
-            <a:avLst/>
-          </a:prstGeom>
-          <a:ln w="50800"/>
-        </p:spPr>
-        <p:style>
-          <a:lnRef idx="1">
-            <a:schemeClr val="accent1"/>
-          </a:lnRef>
-          <a:fillRef idx="0">
-            <a:schemeClr val="accent1"/>
-          </a:fillRef>
-          <a:effectRef idx="0">
-            <a:schemeClr val="accent1"/>
-          </a:effectRef>
-          <a:fontRef idx="minor">
-            <a:schemeClr val="tx1"/>
-          </a:fontRef>
-        </p:style>
-      </p:cxnSp>
-      <mc:AlternateContent xmlns:mc="http://schemas.openxmlformats.org/markup-compatibility/2006" xmlns:a14="http://schemas.microsoft.com/office/drawing/2010/main">
-        <mc:Choice Requires="a14">
-          <p:sp>
-            <p:nvSpPr>
-              <p:cNvPr id="15" name="Rectangle 14">
-                <a:extLst>
-                  <a:ext uri="{FF2B5EF4-FFF2-40B4-BE49-F238E27FC236}">
-                    <a16:creationId xmlns:a16="http://schemas.microsoft.com/office/drawing/2014/main" id="{76EAECCF-06CA-48E4-984D-F793EE1AE995}"/>
-                  </a:ext>
-                </a:extLst>
-              </p:cNvPr>
-              <p:cNvSpPr/>
-              <p:nvPr/>
-            </p:nvSpPr>
-            <p:spPr>
-              <a:xfrm>
-                <a:off x="9689410" y="3294460"/>
-                <a:ext cx="590995" cy="523220"/>
-              </a:xfrm>
-              <a:prstGeom prst="rect">
-                <a:avLst/>
-              </a:prstGeom>
-            </p:spPr>
-            <p:txBody>
-              <a:bodyPr wrap="none">
-                <a:spAutoFit/>
-              </a:bodyPr>
-              <a:lstStyle/>
-              <a:p>
-                <a:pPr/>
-                <a14:m>
-                  <m:oMathPara xmlns:m="http://schemas.openxmlformats.org/officeDocument/2006/math">
-                    <m:oMathParaPr>
-                      <m:jc m:val="centerGroup"/>
-                    </m:oMathParaPr>
-                    <m:oMath xmlns:m="http://schemas.openxmlformats.org/officeDocument/2006/math">
-                      <m:acc>
-                        <m:accPr>
-                          <m:chr m:val="̂"/>
-                          <m:ctrlPr>
-                            <a:rPr lang="en-US" sz="2800" b="0" i="1" smtClean="0">
-                              <a:latin typeface="Cambria Math" panose="02040503050406030204" pitchFamily="18" charset="0"/>
-                            </a:rPr>
-                          </m:ctrlPr>
-                        </m:accPr>
-                        <m:e>
-                          <m:sSub>
-                            <m:sSubPr>
-                              <m:ctrlPr>
-                                <a:rPr lang="en-US" sz="2800" b="0" i="1" smtClean="0">
-                                  <a:latin typeface="Cambria Math" panose="02040503050406030204" pitchFamily="18" charset="0"/>
-                                </a:rPr>
-                              </m:ctrlPr>
-                            </m:sSubPr>
-                            <m:e>
-                              <m:r>
-                                <a:rPr lang="en-US" sz="2800" b="0" i="1" smtClean="0">
-                                  <a:latin typeface="Cambria Math" panose="02040503050406030204" pitchFamily="18" charset="0"/>
-                                </a:rPr>
-                                <m:t>𝑥</m:t>
-                              </m:r>
-                            </m:e>
-                            <m:sub>
-                              <m:r>
-                                <a:rPr lang="en-US" sz="2800" b="0" i="1" smtClean="0">
-                                  <a:latin typeface="Cambria Math" panose="02040503050406030204" pitchFamily="18" charset="0"/>
-                                </a:rPr>
-                                <m:t>𝑡</m:t>
-                              </m:r>
-                            </m:sub>
-                          </m:sSub>
-                        </m:e>
-                      </m:acc>
-                    </m:oMath>
-                  </m:oMathPara>
-                </a14:m>
-                <a:endParaRPr lang="en-US" sz="2800" dirty="0"/>
-              </a:p>
-            </p:txBody>
-          </p:sp>
-        </mc:Choice>
-        <mc:Fallback xmlns="">
-          <p:sp>
-            <p:nvSpPr>
-              <p:cNvPr id="15" name="Rectangle 14">
-                <a:extLst>
-                  <a:ext uri="{FF2B5EF4-FFF2-40B4-BE49-F238E27FC236}">
-                    <a16:creationId xmlns:a16="http://schemas.microsoft.com/office/drawing/2014/main" id="{76EAECCF-06CA-48E4-984D-F793EE1AE995}"/>
-                  </a:ext>
-                </a:extLst>
-              </p:cNvPr>
-              <p:cNvSpPr>
-                <a:spLocks noRot="1" noChangeAspect="1" noMove="1" noResize="1" noEditPoints="1" noAdjustHandles="1" noChangeArrowheads="1" noChangeShapeType="1" noTextEdit="1"/>
-              </p:cNvSpPr>
-              <p:nvPr/>
-            </p:nvSpPr>
-            <p:spPr>
-              <a:xfrm>
-                <a:off x="9689410" y="3294460"/>
-                <a:ext cx="590995" cy="523220"/>
-              </a:xfrm>
-              <a:prstGeom prst="rect">
-                <a:avLst/>
-              </a:prstGeom>
-              <a:blipFill>
-                <a:blip r:embed="rId8"/>
-                <a:stretch>
-                  <a:fillRect/>
-                </a:stretch>
-              </a:blipFill>
-            </p:spPr>
-            <p:txBody>
-              <a:bodyPr/>
-              <a:lstStyle/>
-              <a:p>
-                <a:r>
-                  <a:rPr lang="en-US">
-                    <a:noFill/>
-                  </a:rPr>
-                  <a:t> </a:t>
-                </a:r>
-              </a:p>
-            </p:txBody>
-          </p:sp>
-        </mc:Fallback>
-      </mc:AlternateContent>
-      <mc:AlternateContent xmlns:mc="http://schemas.openxmlformats.org/markup-compatibility/2006" xmlns:a14="http://schemas.microsoft.com/office/drawing/2010/main">
-        <mc:Choice Requires="a14">
-          <p:sp>
-            <p:nvSpPr>
-              <p:cNvPr id="16" name="Rectangle 15">
-                <a:extLst>
-                  <a:ext uri="{FF2B5EF4-FFF2-40B4-BE49-F238E27FC236}">
-                    <a16:creationId xmlns:a16="http://schemas.microsoft.com/office/drawing/2014/main" id="{A4DF822E-4787-443B-9C5B-D16A298B2694}"/>
-                  </a:ext>
-                </a:extLst>
-              </p:cNvPr>
-              <p:cNvSpPr/>
-              <p:nvPr/>
-            </p:nvSpPr>
-            <p:spPr>
-              <a:xfrm>
-                <a:off x="9451319" y="2361769"/>
-                <a:ext cx="590995" cy="523220"/>
-              </a:xfrm>
-              <a:prstGeom prst="rect">
-                <a:avLst/>
-              </a:prstGeom>
-            </p:spPr>
-            <p:txBody>
-              <a:bodyPr wrap="none">
-                <a:spAutoFit/>
-              </a:bodyPr>
-              <a:lstStyle/>
-              <a:p>
-                <a:pPr/>
-                <a14:m>
-                  <m:oMathPara xmlns:m="http://schemas.openxmlformats.org/officeDocument/2006/math">
-                    <m:oMathParaPr>
-                      <m:jc m:val="centerGroup"/>
-                    </m:oMathParaPr>
-                    <m:oMath xmlns:m="http://schemas.openxmlformats.org/officeDocument/2006/math">
-                      <m:sSub>
-                        <m:sSubPr>
-                          <m:ctrlPr>
-                            <a:rPr lang="en-US" sz="2800" b="0" i="1" dirty="0" smtClean="0">
-                              <a:latin typeface="Cambria Math" panose="02040503050406030204" pitchFamily="18" charset="0"/>
-                            </a:rPr>
-                          </m:ctrlPr>
-                        </m:sSubPr>
-                        <m:e>
-                          <m:r>
-                            <a:rPr lang="en-US" sz="2800" b="0" i="1" dirty="0" smtClean="0">
-                              <a:latin typeface="Cambria Math" panose="02040503050406030204" pitchFamily="18" charset="0"/>
-                            </a:rPr>
-                            <m:t>𝑥</m:t>
-                          </m:r>
-                        </m:e>
-                        <m:sub>
-                          <m:r>
-                            <a:rPr lang="en-US" sz="2800" b="0" i="1" dirty="0" smtClean="0">
-                              <a:latin typeface="Cambria Math" panose="02040503050406030204" pitchFamily="18" charset="0"/>
-                            </a:rPr>
-                            <m:t>𝑡</m:t>
-                          </m:r>
-                        </m:sub>
-                      </m:sSub>
-                    </m:oMath>
-                  </m:oMathPara>
-                </a14:m>
-                <a:endParaRPr lang="en-US" sz="2800" dirty="0"/>
-              </a:p>
-            </p:txBody>
-          </p:sp>
-        </mc:Choice>
-        <mc:Fallback xmlns="">
-          <p:sp>
-            <p:nvSpPr>
-              <p:cNvPr id="16" name="Rectangle 15">
-                <a:extLst>
-                  <a:ext uri="{FF2B5EF4-FFF2-40B4-BE49-F238E27FC236}">
-                    <a16:creationId xmlns:a16="http://schemas.microsoft.com/office/drawing/2014/main" id="{A4DF822E-4787-443B-9C5B-D16A298B2694}"/>
-                  </a:ext>
-                </a:extLst>
-              </p:cNvPr>
-              <p:cNvSpPr>
-                <a:spLocks noRot="1" noChangeAspect="1" noMove="1" noResize="1" noEditPoints="1" noAdjustHandles="1" noChangeArrowheads="1" noChangeShapeType="1" noTextEdit="1"/>
-              </p:cNvSpPr>
-              <p:nvPr/>
-            </p:nvSpPr>
-            <p:spPr>
-              <a:xfrm>
-                <a:off x="9451319" y="2361769"/>
-                <a:ext cx="590995" cy="523220"/>
-              </a:xfrm>
-              <a:prstGeom prst="rect">
-                <a:avLst/>
-              </a:prstGeom>
-              <a:blipFill>
-                <a:blip r:embed="rId9"/>
-                <a:stretch>
-                  <a:fillRect/>
-                </a:stretch>
-              </a:blipFill>
-            </p:spPr>
-            <p:txBody>
-              <a:bodyPr/>
-              <a:lstStyle/>
-              <a:p>
-                <a:r>
-                  <a:rPr lang="en-US">
-                    <a:noFill/>
-                  </a:rPr>
-                  <a:t> </a:t>
-                </a:r>
-              </a:p>
-            </p:txBody>
-          </p:sp>
-        </mc:Fallback>
-      </mc:AlternateContent>
-      <p:sp>
-        <p:nvSpPr>
-          <p:cNvPr id="17" name="Oval 16">
-            <a:extLst>
-              <a:ext uri="{FF2B5EF4-FFF2-40B4-BE49-F238E27FC236}">
-                <a16:creationId xmlns:a16="http://schemas.microsoft.com/office/drawing/2014/main" id="{E71A817F-5430-49C8-9E57-7B24E0F53780}"/>
-              </a:ext>
-            </a:extLst>
-          </p:cNvPr>
-          <p:cNvSpPr/>
-          <p:nvPr/>
-        </p:nvSpPr>
-        <p:spPr>
-          <a:xfrm>
-            <a:off x="9430097" y="2865064"/>
-            <a:ext cx="252248" cy="268014"/>
-          </a:xfrm>
-          <a:prstGeom prst="ellipse">
-            <a:avLst/>
-          </a:prstGeom>
-        </p:spPr>
-        <p:style>
-          <a:lnRef idx="2">
-            <a:schemeClr val="dk1">
-              <a:shade val="50000"/>
-            </a:schemeClr>
-          </a:lnRef>
-          <a:fillRef idx="1">
-            <a:schemeClr val="dk1"/>
-          </a:fillRef>
-          <a:effectRef idx="0">
-            <a:schemeClr val="dk1"/>
-          </a:effectRef>
-          <a:fontRef idx="minor">
-            <a:schemeClr val="lt1"/>
-          </a:fontRef>
-        </p:style>
-        <p:txBody>
-          <a:bodyPr rtlCol="0" anchor="ctr"/>
-          <a:lstStyle/>
-          <a:p>
-            <a:pPr algn="ctr"/>
-            <a:endParaRPr lang="en-US"/>
-          </a:p>
-        </p:txBody>
-      </p:sp>
-      <p:cxnSp>
-        <p:nvCxnSpPr>
-          <p:cNvPr id="18" name="Straight Connector 17">
-            <a:extLst>
-              <a:ext uri="{FF2B5EF4-FFF2-40B4-BE49-F238E27FC236}">
-                <a16:creationId xmlns:a16="http://schemas.microsoft.com/office/drawing/2014/main" id="{E517109B-637F-4980-BF8E-213C36044358}"/>
-              </a:ext>
-            </a:extLst>
-          </p:cNvPr>
-          <p:cNvCxnSpPr>
-            <a:cxnSpLocks/>
-          </p:cNvCxnSpPr>
-          <p:nvPr/>
-        </p:nvCxnSpPr>
-        <p:spPr>
-          <a:xfrm>
-            <a:off x="9316277" y="3579310"/>
-            <a:ext cx="96426" cy="104582"/>
-          </a:xfrm>
-          <a:prstGeom prst="line">
-            <a:avLst/>
-          </a:prstGeom>
-          <a:ln w="50800"/>
-        </p:spPr>
-        <p:style>
-          <a:lnRef idx="1">
-            <a:schemeClr val="accent1"/>
-          </a:lnRef>
-          <a:fillRef idx="0">
-            <a:schemeClr val="accent1"/>
-          </a:fillRef>
-          <a:effectRef idx="0">
-            <a:schemeClr val="accent1"/>
-          </a:effectRef>
-          <a:fontRef idx="minor">
-            <a:schemeClr val="tx1"/>
-          </a:fontRef>
-        </p:style>
-      </p:cxnSp>
-      <p:cxnSp>
-        <p:nvCxnSpPr>
-          <p:cNvPr id="19" name="Straight Connector 18">
-            <a:extLst>
-              <a:ext uri="{FF2B5EF4-FFF2-40B4-BE49-F238E27FC236}">
-                <a16:creationId xmlns:a16="http://schemas.microsoft.com/office/drawing/2014/main" id="{8410627C-AE30-464C-A965-4B305DC54830}"/>
-              </a:ext>
-            </a:extLst>
-          </p:cNvPr>
-          <p:cNvCxnSpPr>
-            <a:cxnSpLocks/>
-          </p:cNvCxnSpPr>
-          <p:nvPr/>
-        </p:nvCxnSpPr>
-        <p:spPr>
-          <a:xfrm>
-            <a:off x="9716860" y="3096039"/>
-            <a:ext cx="96426" cy="104582"/>
-          </a:xfrm>
-          <a:prstGeom prst="line">
-            <a:avLst/>
-          </a:prstGeom>
-          <a:ln w="50800"/>
-        </p:spPr>
-        <p:style>
-          <a:lnRef idx="1">
-            <a:schemeClr val="accent1"/>
-          </a:lnRef>
-          <a:fillRef idx="0">
-            <a:schemeClr val="accent1"/>
-          </a:fillRef>
-          <a:effectRef idx="0">
-            <a:schemeClr val="accent1"/>
-          </a:effectRef>
-          <a:fontRef idx="minor">
-            <a:schemeClr val="tx1"/>
-          </a:fontRef>
-        </p:style>
-      </p:cxnSp>
       <mc:AlternateContent xmlns:mc="http://schemas.openxmlformats.org/markup-compatibility/2006" xmlns:a14="http://schemas.microsoft.com/office/drawing/2010/main">
         <mc:Choice Requires="a14">
           <p:sp>
@@ -7751,7 +7165,7 @@
 </p:sld>
 </file>
 
-<file path=ppt/slides/slide12.xml><?xml version="1.0" encoding="utf-8"?>
+<file path=ppt/slides/slide11.xml><?xml version="1.0" encoding="utf-8"?>
 <p:sld xmlns:a="http://schemas.openxmlformats.org/drawingml/2006/main" xmlns:r="http://schemas.openxmlformats.org/officeDocument/2006/relationships" xmlns:p="http://schemas.openxmlformats.org/presentationml/2006/main">
   <p:cSld>
     <p:spTree>
@@ -7993,409 +7407,6 @@
           </a:p>
         </p:txBody>
       </p:sp>
-      <p:cxnSp>
-        <p:nvCxnSpPr>
-          <p:cNvPr id="14" name="Straight Connector 13">
-            <a:extLst>
-              <a:ext uri="{FF2B5EF4-FFF2-40B4-BE49-F238E27FC236}">
-                <a16:creationId xmlns:a16="http://schemas.microsoft.com/office/drawing/2014/main" id="{E4692CE0-DBFF-4302-A76D-07561C20B00D}"/>
-              </a:ext>
-            </a:extLst>
-          </p:cNvPr>
-          <p:cNvCxnSpPr>
-            <a:cxnSpLocks/>
-          </p:cNvCxnSpPr>
-          <p:nvPr/>
-        </p:nvCxnSpPr>
-        <p:spPr>
-          <a:xfrm flipH="1">
-            <a:off x="9355885" y="3148330"/>
-            <a:ext cx="409188" cy="500989"/>
-          </a:xfrm>
-          <a:prstGeom prst="line">
-            <a:avLst/>
-          </a:prstGeom>
-          <a:ln w="50800"/>
-        </p:spPr>
-        <p:style>
-          <a:lnRef idx="1">
-            <a:schemeClr val="accent1"/>
-          </a:lnRef>
-          <a:fillRef idx="0">
-            <a:schemeClr val="accent1"/>
-          </a:fillRef>
-          <a:effectRef idx="0">
-            <a:schemeClr val="accent1"/>
-          </a:effectRef>
-          <a:fontRef idx="minor">
-            <a:schemeClr val="tx1"/>
-          </a:fontRef>
-        </p:style>
-      </p:cxnSp>
-      <mc:AlternateContent xmlns:mc="http://schemas.openxmlformats.org/markup-compatibility/2006" xmlns:a14="http://schemas.microsoft.com/office/drawing/2010/main">
-        <mc:Choice Requires="a14">
-          <p:sp>
-            <p:nvSpPr>
-              <p:cNvPr id="15" name="Rectangle 14">
-                <a:extLst>
-                  <a:ext uri="{FF2B5EF4-FFF2-40B4-BE49-F238E27FC236}">
-                    <a16:creationId xmlns:a16="http://schemas.microsoft.com/office/drawing/2014/main" id="{76EAECCF-06CA-48E4-984D-F793EE1AE995}"/>
-                  </a:ext>
-                </a:extLst>
-              </p:cNvPr>
-              <p:cNvSpPr/>
-              <p:nvPr/>
-            </p:nvSpPr>
-            <p:spPr>
-              <a:xfrm>
-                <a:off x="9689410" y="3294460"/>
-                <a:ext cx="590995" cy="523220"/>
-              </a:xfrm>
-              <a:prstGeom prst="rect">
-                <a:avLst/>
-              </a:prstGeom>
-            </p:spPr>
-            <p:txBody>
-              <a:bodyPr wrap="none">
-                <a:spAutoFit/>
-              </a:bodyPr>
-              <a:lstStyle/>
-              <a:p>
-                <a:pPr/>
-                <a14:m>
-                  <m:oMathPara xmlns:m="http://schemas.openxmlformats.org/officeDocument/2006/math">
-                    <m:oMathParaPr>
-                      <m:jc m:val="centerGroup"/>
-                    </m:oMathParaPr>
-                    <m:oMath xmlns:m="http://schemas.openxmlformats.org/officeDocument/2006/math">
-                      <m:acc>
-                        <m:accPr>
-                          <m:chr m:val="̂"/>
-                          <m:ctrlPr>
-                            <a:rPr lang="en-US" sz="2800" b="0" i="1" smtClean="0">
-                              <a:latin typeface="Cambria Math" panose="02040503050406030204" pitchFamily="18" charset="0"/>
-                            </a:rPr>
-                          </m:ctrlPr>
-                        </m:accPr>
-                        <m:e>
-                          <m:sSub>
-                            <m:sSubPr>
-                              <m:ctrlPr>
-                                <a:rPr lang="en-US" sz="2800" b="0" i="1" smtClean="0">
-                                  <a:latin typeface="Cambria Math" panose="02040503050406030204" pitchFamily="18" charset="0"/>
-                                </a:rPr>
-                              </m:ctrlPr>
-                            </m:sSubPr>
-                            <m:e>
-                              <m:r>
-                                <a:rPr lang="en-US" sz="2800" b="0" i="1" smtClean="0">
-                                  <a:latin typeface="Cambria Math" panose="02040503050406030204" pitchFamily="18" charset="0"/>
-                                </a:rPr>
-                                <m:t>𝑥</m:t>
-                              </m:r>
-                            </m:e>
-                            <m:sub>
-                              <m:r>
-                                <a:rPr lang="en-US" sz="2800" b="0" i="1" smtClean="0">
-                                  <a:latin typeface="Cambria Math" panose="02040503050406030204" pitchFamily="18" charset="0"/>
-                                </a:rPr>
-                                <m:t>𝑡</m:t>
-                              </m:r>
-                            </m:sub>
-                          </m:sSub>
-                        </m:e>
-                      </m:acc>
-                    </m:oMath>
-                  </m:oMathPara>
-                </a14:m>
-                <a:endParaRPr lang="en-US" sz="2800" dirty="0"/>
-              </a:p>
-            </p:txBody>
-          </p:sp>
-        </mc:Choice>
-        <mc:Fallback xmlns="">
-          <p:sp>
-            <p:nvSpPr>
-              <p:cNvPr id="15" name="Rectangle 14">
-                <a:extLst>
-                  <a:ext uri="{FF2B5EF4-FFF2-40B4-BE49-F238E27FC236}">
-                    <a16:creationId xmlns:a16="http://schemas.microsoft.com/office/drawing/2014/main" id="{76EAECCF-06CA-48E4-984D-F793EE1AE995}"/>
-                  </a:ext>
-                </a:extLst>
-              </p:cNvPr>
-              <p:cNvSpPr>
-                <a:spLocks noRot="1" noChangeAspect="1" noMove="1" noResize="1" noEditPoints="1" noAdjustHandles="1" noChangeArrowheads="1" noChangeShapeType="1" noTextEdit="1"/>
-              </p:cNvSpPr>
-              <p:nvPr/>
-            </p:nvSpPr>
-            <p:spPr>
-              <a:xfrm>
-                <a:off x="9689410" y="3294460"/>
-                <a:ext cx="590995" cy="523220"/>
-              </a:xfrm>
-              <a:prstGeom prst="rect">
-                <a:avLst/>
-              </a:prstGeom>
-              <a:blipFill>
-                <a:blip r:embed="rId8"/>
-                <a:stretch>
-                  <a:fillRect/>
-                </a:stretch>
-              </a:blipFill>
-            </p:spPr>
-            <p:txBody>
-              <a:bodyPr/>
-              <a:lstStyle/>
-              <a:p>
-                <a:r>
-                  <a:rPr lang="en-US">
-                    <a:noFill/>
-                  </a:rPr>
-                  <a:t> </a:t>
-                </a:r>
-              </a:p>
-            </p:txBody>
-          </p:sp>
-        </mc:Fallback>
-      </mc:AlternateContent>
-      <mc:AlternateContent xmlns:mc="http://schemas.openxmlformats.org/markup-compatibility/2006" xmlns:a14="http://schemas.microsoft.com/office/drawing/2010/main">
-        <mc:Choice Requires="a14">
-          <p:sp>
-            <p:nvSpPr>
-              <p:cNvPr id="16" name="Rectangle 15">
-                <a:extLst>
-                  <a:ext uri="{FF2B5EF4-FFF2-40B4-BE49-F238E27FC236}">
-                    <a16:creationId xmlns:a16="http://schemas.microsoft.com/office/drawing/2014/main" id="{A4DF822E-4787-443B-9C5B-D16A298B2694}"/>
-                  </a:ext>
-                </a:extLst>
-              </p:cNvPr>
-              <p:cNvSpPr/>
-              <p:nvPr/>
-            </p:nvSpPr>
-            <p:spPr>
-              <a:xfrm>
-                <a:off x="9451319" y="2361769"/>
-                <a:ext cx="590995" cy="523220"/>
-              </a:xfrm>
-              <a:prstGeom prst="rect">
-                <a:avLst/>
-              </a:prstGeom>
-            </p:spPr>
-            <p:txBody>
-              <a:bodyPr wrap="none">
-                <a:spAutoFit/>
-              </a:bodyPr>
-              <a:lstStyle/>
-              <a:p>
-                <a:pPr/>
-                <a14:m>
-                  <m:oMathPara xmlns:m="http://schemas.openxmlformats.org/officeDocument/2006/math">
-                    <m:oMathParaPr>
-                      <m:jc m:val="centerGroup"/>
-                    </m:oMathParaPr>
-                    <m:oMath xmlns:m="http://schemas.openxmlformats.org/officeDocument/2006/math">
-                      <m:sSub>
-                        <m:sSubPr>
-                          <m:ctrlPr>
-                            <a:rPr lang="en-US" sz="2800" b="0" i="1" dirty="0" smtClean="0">
-                              <a:latin typeface="Cambria Math" panose="02040503050406030204" pitchFamily="18" charset="0"/>
-                            </a:rPr>
-                          </m:ctrlPr>
-                        </m:sSubPr>
-                        <m:e>
-                          <m:r>
-                            <a:rPr lang="en-US" sz="2800" b="0" i="1" dirty="0" smtClean="0">
-                              <a:latin typeface="Cambria Math" panose="02040503050406030204" pitchFamily="18" charset="0"/>
-                            </a:rPr>
-                            <m:t>𝑥</m:t>
-                          </m:r>
-                        </m:e>
-                        <m:sub>
-                          <m:r>
-                            <a:rPr lang="en-US" sz="2800" b="0" i="1" dirty="0" smtClean="0">
-                              <a:latin typeface="Cambria Math" panose="02040503050406030204" pitchFamily="18" charset="0"/>
-                            </a:rPr>
-                            <m:t>𝑡</m:t>
-                          </m:r>
-                        </m:sub>
-                      </m:sSub>
-                    </m:oMath>
-                  </m:oMathPara>
-                </a14:m>
-                <a:endParaRPr lang="en-US" sz="2800" dirty="0"/>
-              </a:p>
-            </p:txBody>
-          </p:sp>
-        </mc:Choice>
-        <mc:Fallback xmlns="">
-          <p:sp>
-            <p:nvSpPr>
-              <p:cNvPr id="16" name="Rectangle 15">
-                <a:extLst>
-                  <a:ext uri="{FF2B5EF4-FFF2-40B4-BE49-F238E27FC236}">
-                    <a16:creationId xmlns:a16="http://schemas.microsoft.com/office/drawing/2014/main" id="{A4DF822E-4787-443B-9C5B-D16A298B2694}"/>
-                  </a:ext>
-                </a:extLst>
-              </p:cNvPr>
-              <p:cNvSpPr>
-                <a:spLocks noRot="1" noChangeAspect="1" noMove="1" noResize="1" noEditPoints="1" noAdjustHandles="1" noChangeArrowheads="1" noChangeShapeType="1" noTextEdit="1"/>
-              </p:cNvSpPr>
-              <p:nvPr/>
-            </p:nvSpPr>
-            <p:spPr>
-              <a:xfrm>
-                <a:off x="9451319" y="2361769"/>
-                <a:ext cx="590995" cy="523220"/>
-              </a:xfrm>
-              <a:prstGeom prst="rect">
-                <a:avLst/>
-              </a:prstGeom>
-              <a:blipFill>
-                <a:blip r:embed="rId9"/>
-                <a:stretch>
-                  <a:fillRect/>
-                </a:stretch>
-              </a:blipFill>
-            </p:spPr>
-            <p:txBody>
-              <a:bodyPr/>
-              <a:lstStyle/>
-              <a:p>
-                <a:r>
-                  <a:rPr lang="en-US">
-                    <a:noFill/>
-                  </a:rPr>
-                  <a:t> </a:t>
-                </a:r>
-              </a:p>
-            </p:txBody>
-          </p:sp>
-        </mc:Fallback>
-      </mc:AlternateContent>
-      <p:sp>
-        <p:nvSpPr>
-          <p:cNvPr id="17" name="Oval 16">
-            <a:extLst>
-              <a:ext uri="{FF2B5EF4-FFF2-40B4-BE49-F238E27FC236}">
-                <a16:creationId xmlns:a16="http://schemas.microsoft.com/office/drawing/2014/main" id="{E71A817F-5430-49C8-9E57-7B24E0F53780}"/>
-              </a:ext>
-            </a:extLst>
-          </p:cNvPr>
-          <p:cNvSpPr/>
-          <p:nvPr/>
-        </p:nvSpPr>
-        <p:spPr>
-          <a:xfrm>
-            <a:off x="9430097" y="2865064"/>
-            <a:ext cx="252248" cy="268014"/>
-          </a:xfrm>
-          <a:prstGeom prst="ellipse">
-            <a:avLst/>
-          </a:prstGeom>
-        </p:spPr>
-        <p:style>
-          <a:lnRef idx="2">
-            <a:schemeClr val="dk1">
-              <a:shade val="50000"/>
-            </a:schemeClr>
-          </a:lnRef>
-          <a:fillRef idx="1">
-            <a:schemeClr val="dk1"/>
-          </a:fillRef>
-          <a:effectRef idx="0">
-            <a:schemeClr val="dk1"/>
-          </a:effectRef>
-          <a:fontRef idx="minor">
-            <a:schemeClr val="lt1"/>
-          </a:fontRef>
-        </p:style>
-        <p:txBody>
-          <a:bodyPr rtlCol="0" anchor="ctr"/>
-          <a:lstStyle/>
-          <a:p>
-            <a:pPr algn="ctr"/>
-            <a:endParaRPr lang="en-US"/>
-          </a:p>
-        </p:txBody>
-      </p:sp>
-      <p:cxnSp>
-        <p:nvCxnSpPr>
-          <p:cNvPr id="18" name="Straight Connector 17">
-            <a:extLst>
-              <a:ext uri="{FF2B5EF4-FFF2-40B4-BE49-F238E27FC236}">
-                <a16:creationId xmlns:a16="http://schemas.microsoft.com/office/drawing/2014/main" id="{E517109B-637F-4980-BF8E-213C36044358}"/>
-              </a:ext>
-            </a:extLst>
-          </p:cNvPr>
-          <p:cNvCxnSpPr>
-            <a:cxnSpLocks/>
-          </p:cNvCxnSpPr>
-          <p:nvPr/>
-        </p:nvCxnSpPr>
-        <p:spPr>
-          <a:xfrm>
-            <a:off x="9316277" y="3579310"/>
-            <a:ext cx="96426" cy="104582"/>
-          </a:xfrm>
-          <a:prstGeom prst="line">
-            <a:avLst/>
-          </a:prstGeom>
-          <a:ln w="50800"/>
-        </p:spPr>
-        <p:style>
-          <a:lnRef idx="1">
-            <a:schemeClr val="accent1"/>
-          </a:lnRef>
-          <a:fillRef idx="0">
-            <a:schemeClr val="accent1"/>
-          </a:fillRef>
-          <a:effectRef idx="0">
-            <a:schemeClr val="accent1"/>
-          </a:effectRef>
-          <a:fontRef idx="minor">
-            <a:schemeClr val="tx1"/>
-          </a:fontRef>
-        </p:style>
-      </p:cxnSp>
-      <p:cxnSp>
-        <p:nvCxnSpPr>
-          <p:cNvPr id="19" name="Straight Connector 18">
-            <a:extLst>
-              <a:ext uri="{FF2B5EF4-FFF2-40B4-BE49-F238E27FC236}">
-                <a16:creationId xmlns:a16="http://schemas.microsoft.com/office/drawing/2014/main" id="{8410627C-AE30-464C-A965-4B305DC54830}"/>
-              </a:ext>
-            </a:extLst>
-          </p:cNvPr>
-          <p:cNvCxnSpPr>
-            <a:cxnSpLocks/>
-          </p:cNvCxnSpPr>
-          <p:nvPr/>
-        </p:nvCxnSpPr>
-        <p:spPr>
-          <a:xfrm>
-            <a:off x="9716860" y="3096039"/>
-            <a:ext cx="96426" cy="104582"/>
-          </a:xfrm>
-          <a:prstGeom prst="line">
-            <a:avLst/>
-          </a:prstGeom>
-          <a:ln w="50800"/>
-        </p:spPr>
-        <p:style>
-          <a:lnRef idx="1">
-            <a:schemeClr val="accent1"/>
-          </a:lnRef>
-          <a:fillRef idx="0">
-            <a:schemeClr val="accent1"/>
-          </a:fillRef>
-          <a:effectRef idx="0">
-            <a:schemeClr val="accent1"/>
-          </a:effectRef>
-          <a:fontRef idx="minor">
-            <a:schemeClr val="tx1"/>
-          </a:fontRef>
-        </p:style>
-      </p:cxnSp>
       <mc:AlternateContent xmlns:mc="http://schemas.openxmlformats.org/markup-compatibility/2006" xmlns:a14="http://schemas.microsoft.com/office/drawing/2010/main">
         <mc:Choice Requires="a14">
           <p:sp>
@@ -8637,7 +7648,7 @@
 </p:sld>
 </file>
 
-<file path=ppt/slides/slide13.xml><?xml version="1.0" encoding="utf-8"?>
+<file path=ppt/slides/slide12.xml><?xml version="1.0" encoding="utf-8"?>
 <p:sld xmlns:a="http://schemas.openxmlformats.org/drawingml/2006/main" xmlns:r="http://schemas.openxmlformats.org/officeDocument/2006/relationships" xmlns:p="http://schemas.openxmlformats.org/presentationml/2006/main">
   <p:cSld>
     <p:spTree>
@@ -8699,7 +7710,7 @@
           </p:nvPr>
         </p:nvPicPr>
         <p:blipFill>
-          <a:blip r:embed="rId2">
+          <a:blip r:embed="rId3">
             <a:extLst>
               <a:ext uri="{28A0092B-C50C-407E-A947-70E740481C1C}">
                 <a14:useLocalDpi xmlns:a14="http://schemas.microsoft.com/office/drawing/2010/main" val="0"/>
@@ -8931,7 +7942,7 @@
 </p:sld>
 </file>
 
-<file path=ppt/slides/slide14.xml><?xml version="1.0" encoding="utf-8"?>
+<file path=ppt/slides/slide13.xml><?xml version="1.0" encoding="utf-8"?>
 <p:sld xmlns:a="http://schemas.openxmlformats.org/drawingml/2006/main" xmlns:r="http://schemas.openxmlformats.org/officeDocument/2006/relationships" xmlns:p="http://schemas.openxmlformats.org/presentationml/2006/main">
   <p:cSld>
     <p:spTree>
@@ -9014,7 +8025,7 @@
 </p:sld>
 </file>
 
-<file path=ppt/slides/slide15.xml><?xml version="1.0" encoding="utf-8"?>
+<file path=ppt/slides/slide14.xml><?xml version="1.0" encoding="utf-8"?>
 <p:sld xmlns:a="http://schemas.openxmlformats.org/drawingml/2006/main" xmlns:r="http://schemas.openxmlformats.org/officeDocument/2006/relationships" xmlns:p="http://schemas.openxmlformats.org/presentationml/2006/main">
   <p:cSld>
     <p:spTree>
@@ -9129,7 +8140,7 @@
 </p:sld>
 </file>
 
-<file path=ppt/slides/slide16.xml><?xml version="1.0" encoding="utf-8"?>
+<file path=ppt/slides/slide15.xml><?xml version="1.0" encoding="utf-8"?>
 <p:sld xmlns:a="http://schemas.openxmlformats.org/drawingml/2006/main" xmlns:r="http://schemas.openxmlformats.org/officeDocument/2006/relationships" xmlns:p="http://schemas.openxmlformats.org/presentationml/2006/main">
   <p:cSld>
     <p:spTree>
@@ -9699,7 +8710,7 @@
 </p:sld>
 </file>
 
-<file path=ppt/slides/slide17.xml><?xml version="1.0" encoding="utf-8"?>
+<file path=ppt/slides/slide16.xml><?xml version="1.0" encoding="utf-8"?>
 <p:sld xmlns:a="http://schemas.openxmlformats.org/drawingml/2006/main" xmlns:r="http://schemas.openxmlformats.org/officeDocument/2006/relationships" xmlns:p="http://schemas.openxmlformats.org/presentationml/2006/main">
   <p:cSld>
     <p:spTree>
@@ -10266,7 +9277,7 @@
 </p:sld>
 </file>
 
-<file path=ppt/slides/slide18.xml><?xml version="1.0" encoding="utf-8"?>
+<file path=ppt/slides/slide17.xml><?xml version="1.0" encoding="utf-8"?>
 <p:sld xmlns:a="http://schemas.openxmlformats.org/drawingml/2006/main" xmlns:r="http://schemas.openxmlformats.org/officeDocument/2006/relationships" xmlns:p="http://schemas.openxmlformats.org/presentationml/2006/main">
   <p:cSld>
     <p:spTree>
@@ -11253,7 +10264,7 @@
 </p:sld>
 </file>
 
-<file path=ppt/slides/slide19.xml><?xml version="1.0" encoding="utf-8"?>
+<file path=ppt/slides/slide18.xml><?xml version="1.0" encoding="utf-8"?>
 <p:sld xmlns:a="http://schemas.openxmlformats.org/drawingml/2006/main" xmlns:r="http://schemas.openxmlformats.org/officeDocument/2006/relationships" xmlns:p="http://schemas.openxmlformats.org/presentationml/2006/main">
   <p:cSld>
     <p:spTree>
@@ -11357,7 +10368,7 @@
             <a:pPr lvl="1"/>
             <a:r>
               <a:rPr lang="en-US" dirty="0"/>
-              <a:t>Convert linear obstacle constraints in workspace as a C-Space constraint?</a:t>
+              <a:t>Convert linear obstacle constraint in workspace to a C-Space constraint?</a:t>
             </a:r>
           </a:p>
           <a:p>
@@ -11567,6 +10578,89 @@
 </p:sld>
 </file>
 
+<file path=ppt/slides/slide19.xml><?xml version="1.0" encoding="utf-8"?>
+<p:sld xmlns:a="http://schemas.openxmlformats.org/drawingml/2006/main" xmlns:r="http://schemas.openxmlformats.org/officeDocument/2006/relationships" xmlns:p="http://schemas.openxmlformats.org/presentationml/2006/main">
+  <p:cSld>
+    <p:spTree>
+      <p:nvGrpSpPr>
+        <p:cNvPr id="1" name=""/>
+        <p:cNvGrpSpPr/>
+        <p:nvPr/>
+      </p:nvGrpSpPr>
+      <p:grpSpPr>
+        <a:xfrm>
+          <a:off x="0" y="0"/>
+          <a:ext cx="0" cy="0"/>
+          <a:chOff x="0" y="0"/>
+          <a:chExt cx="0" cy="0"/>
+        </a:xfrm>
+      </p:grpSpPr>
+      <p:sp>
+        <p:nvSpPr>
+          <p:cNvPr id="4" name="Title 3">
+            <a:extLst>
+              <a:ext uri="{FF2B5EF4-FFF2-40B4-BE49-F238E27FC236}">
+                <a16:creationId xmlns:a16="http://schemas.microsoft.com/office/drawing/2014/main" id="{14060B6F-1CF9-48B5-A937-F3BD29B97E84}"/>
+              </a:ext>
+            </a:extLst>
+          </p:cNvPr>
+          <p:cNvSpPr>
+            <a:spLocks noGrp="1"/>
+          </p:cNvSpPr>
+          <p:nvPr>
+            <p:ph type="ctrTitle"/>
+          </p:nvPr>
+        </p:nvSpPr>
+        <p:spPr/>
+        <p:txBody>
+          <a:bodyPr/>
+          <a:lstStyle/>
+          <a:p>
+            <a:r>
+              <a:rPr lang="en-US" dirty="0"/>
+              <a:t>End</a:t>
+            </a:r>
+          </a:p>
+        </p:txBody>
+      </p:sp>
+      <p:sp>
+        <p:nvSpPr>
+          <p:cNvPr id="5" name="Subtitle 4">
+            <a:extLst>
+              <a:ext uri="{FF2B5EF4-FFF2-40B4-BE49-F238E27FC236}">
+                <a16:creationId xmlns:a16="http://schemas.microsoft.com/office/drawing/2014/main" id="{7F22DD93-EF0E-41EE-B172-960E1972C095}"/>
+              </a:ext>
+            </a:extLst>
+          </p:cNvPr>
+          <p:cNvSpPr>
+            <a:spLocks noGrp="1"/>
+          </p:cNvSpPr>
+          <p:nvPr>
+            <p:ph type="subTitle" idx="1"/>
+          </p:nvPr>
+        </p:nvSpPr>
+        <p:spPr/>
+        <p:txBody>
+          <a:bodyPr/>
+          <a:lstStyle/>
+          <a:p>
+            <a:endParaRPr lang="en-US"/>
+          </a:p>
+        </p:txBody>
+      </p:sp>
+    </p:spTree>
+    <p:extLst>
+      <p:ext uri="{BB962C8B-B14F-4D97-AF65-F5344CB8AC3E}">
+        <p14:creationId xmlns:p14="http://schemas.microsoft.com/office/powerpoint/2010/main" val="1927259688"/>
+      </p:ext>
+    </p:extLst>
+  </p:cSld>
+  <p:clrMapOvr>
+    <a:masterClrMapping/>
+  </p:clrMapOvr>
+</p:sld>
+</file>
+
 <file path=ppt/slides/slide2.xml><?xml version="1.0" encoding="utf-8"?>
 <p:sld xmlns:a="http://schemas.openxmlformats.org/drawingml/2006/main" xmlns:r="http://schemas.openxmlformats.org/officeDocument/2006/relationships" xmlns:p="http://schemas.openxmlformats.org/presentationml/2006/main">
   <p:cSld>
@@ -11687,13 +10781,13 @@
           <a:p>
             <a:r>
               <a:rPr lang="en-US" dirty="0"/>
-              <a:t>Many planners compensate for the possibility of a collision</a:t>
+              <a:t>Safety is difficult to guarantee and quantify due to real world uncertainty</a:t>
             </a:r>
           </a:p>
           <a:p>
             <a:r>
               <a:rPr lang="en-US" dirty="0"/>
-              <a:t>Safety is difficult to guarantee and quantify due to real world uncertainty</a:t>
+              <a:t>Simulations to quantify safety takes too long</a:t>
             </a:r>
           </a:p>
         </p:txBody>
@@ -11820,89 +10914,6 @@
 </file>
 
 <file path=ppt/slides/slide20.xml><?xml version="1.0" encoding="utf-8"?>
-<p:sld xmlns:a="http://schemas.openxmlformats.org/drawingml/2006/main" xmlns:r="http://schemas.openxmlformats.org/officeDocument/2006/relationships" xmlns:p="http://schemas.openxmlformats.org/presentationml/2006/main">
-  <p:cSld>
-    <p:spTree>
-      <p:nvGrpSpPr>
-        <p:cNvPr id="1" name=""/>
-        <p:cNvGrpSpPr/>
-        <p:nvPr/>
-      </p:nvGrpSpPr>
-      <p:grpSpPr>
-        <a:xfrm>
-          <a:off x="0" y="0"/>
-          <a:ext cx="0" cy="0"/>
-          <a:chOff x="0" y="0"/>
-          <a:chExt cx="0" cy="0"/>
-        </a:xfrm>
-      </p:grpSpPr>
-      <p:sp>
-        <p:nvSpPr>
-          <p:cNvPr id="4" name="Title 3">
-            <a:extLst>
-              <a:ext uri="{FF2B5EF4-FFF2-40B4-BE49-F238E27FC236}">
-                <a16:creationId xmlns:a16="http://schemas.microsoft.com/office/drawing/2014/main" id="{14060B6F-1CF9-48B5-A937-F3BD29B97E84}"/>
-              </a:ext>
-            </a:extLst>
-          </p:cNvPr>
-          <p:cNvSpPr>
-            <a:spLocks noGrp="1"/>
-          </p:cNvSpPr>
-          <p:nvPr>
-            <p:ph type="ctrTitle"/>
-          </p:nvPr>
-        </p:nvSpPr>
-        <p:spPr/>
-        <p:txBody>
-          <a:bodyPr/>
-          <a:lstStyle/>
-          <a:p>
-            <a:r>
-              <a:rPr lang="en-US" dirty="0"/>
-              <a:t>End</a:t>
-            </a:r>
-          </a:p>
-        </p:txBody>
-      </p:sp>
-      <p:sp>
-        <p:nvSpPr>
-          <p:cNvPr id="5" name="Subtitle 4">
-            <a:extLst>
-              <a:ext uri="{FF2B5EF4-FFF2-40B4-BE49-F238E27FC236}">
-                <a16:creationId xmlns:a16="http://schemas.microsoft.com/office/drawing/2014/main" id="{7F22DD93-EF0E-41EE-B172-960E1972C095}"/>
-              </a:ext>
-            </a:extLst>
-          </p:cNvPr>
-          <p:cNvSpPr>
-            <a:spLocks noGrp="1"/>
-          </p:cNvSpPr>
-          <p:nvPr>
-            <p:ph type="subTitle" idx="1"/>
-          </p:nvPr>
-        </p:nvSpPr>
-        <p:spPr/>
-        <p:txBody>
-          <a:bodyPr/>
-          <a:lstStyle/>
-          <a:p>
-            <a:endParaRPr lang="en-US"/>
-          </a:p>
-        </p:txBody>
-      </p:sp>
-    </p:spTree>
-    <p:extLst>
-      <p:ext uri="{BB962C8B-B14F-4D97-AF65-F5344CB8AC3E}">
-        <p14:creationId xmlns:p14="http://schemas.microsoft.com/office/powerpoint/2010/main" val="1927259688"/>
-      </p:ext>
-    </p:extLst>
-  </p:cSld>
-  <p:clrMapOvr>
-    <a:masterClrMapping/>
-  </p:clrMapOvr>
-</p:sld>
-</file>
-
-<file path=ppt/slides/slide21.xml><?xml version="1.0" encoding="utf-8"?>
 <p:sld xmlns:a="http://schemas.openxmlformats.org/drawingml/2006/main" xmlns:r="http://schemas.openxmlformats.org/officeDocument/2006/relationships" xmlns:p="http://schemas.openxmlformats.org/presentationml/2006/main">
   <p:cSld>
     <p:spTree>
@@ -12396,7 +11407,7 @@
 </p:sld>
 </file>
 
-<file path=ppt/slides/slide22.xml><?xml version="1.0" encoding="utf-8"?>
+<file path=ppt/slides/slide21.xml><?xml version="1.0" encoding="utf-8"?>
 <p:sld xmlns:a="http://schemas.openxmlformats.org/drawingml/2006/main" xmlns:r="http://schemas.openxmlformats.org/officeDocument/2006/relationships" xmlns:p="http://schemas.openxmlformats.org/presentationml/2006/main">
   <p:cSld>
     <p:spTree>
@@ -12717,7 +11728,7 @@
 </p:sld>
 </file>
 
-<file path=ppt/slides/slide23.xml><?xml version="1.0" encoding="utf-8"?>
+<file path=ppt/slides/slide22.xml><?xml version="1.0" encoding="utf-8"?>
 <p:sld xmlns:a="http://schemas.openxmlformats.org/drawingml/2006/main" xmlns:r="http://schemas.openxmlformats.org/officeDocument/2006/relationships" xmlns:p="http://schemas.openxmlformats.org/presentationml/2006/main" show="0">
   <p:cSld>
     <p:spTree>
@@ -12827,7 +11838,7 @@
 </p:sld>
 </file>
 
-<file path=ppt/slides/slide24.xml><?xml version="1.0" encoding="utf-8"?>
+<file path=ppt/slides/slide23.xml><?xml version="1.0" encoding="utf-8"?>
 <p:sld xmlns:a="http://schemas.openxmlformats.org/drawingml/2006/main" xmlns:r="http://schemas.openxmlformats.org/officeDocument/2006/relationships" xmlns:p="http://schemas.openxmlformats.org/presentationml/2006/main" show="0">
   <p:cSld>
     <p:spTree>
@@ -13147,7 +12158,7 @@
 </p:sld>
 </file>
 
-<file path=ppt/slides/slide25.xml><?xml version="1.0" encoding="utf-8"?>
+<file path=ppt/slides/slide24.xml><?xml version="1.0" encoding="utf-8"?>
 <p:sld xmlns:a="http://schemas.openxmlformats.org/drawingml/2006/main" xmlns:r="http://schemas.openxmlformats.org/officeDocument/2006/relationships" xmlns:p="http://schemas.openxmlformats.org/presentationml/2006/main" show="0">
   <p:cSld>
     <p:spTree>
@@ -14028,7 +13039,7 @@
 </p:sld>
 </file>
 
-<file path=ppt/slides/slide26.xml><?xml version="1.0" encoding="utf-8"?>
+<file path=ppt/slides/slide25.xml><?xml version="1.0" encoding="utf-8"?>
 <p:sld xmlns:a="http://schemas.openxmlformats.org/drawingml/2006/main" xmlns:r="http://schemas.openxmlformats.org/officeDocument/2006/relationships" xmlns:p="http://schemas.openxmlformats.org/presentationml/2006/main" show="0">
   <p:cSld>
     <p:spTree>
@@ -14655,7 +13666,7 @@
 </p:sld>
 </file>
 
-<file path=ppt/slides/slide27.xml><?xml version="1.0" encoding="utf-8"?>
+<file path=ppt/slides/slide26.xml><?xml version="1.0" encoding="utf-8"?>
 <p:sld xmlns:a="http://schemas.openxmlformats.org/drawingml/2006/main" xmlns:r="http://schemas.openxmlformats.org/officeDocument/2006/relationships" xmlns:p="http://schemas.openxmlformats.org/presentationml/2006/main" show="0">
   <p:cSld>
     <p:spTree>
@@ -15215,7 +14226,7 @@
 </p:sld>
 </file>
 
-<file path=ppt/slides/slide28.xml><?xml version="1.0" encoding="utf-8"?>
+<file path=ppt/slides/slide27.xml><?xml version="1.0" encoding="utf-8"?>
 <p:sld xmlns:a="http://schemas.openxmlformats.org/drawingml/2006/main" xmlns:r="http://schemas.openxmlformats.org/officeDocument/2006/relationships" xmlns:p="http://schemas.openxmlformats.org/presentationml/2006/main" show="0">
   <p:cSld>
     <p:spTree>
@@ -15667,7 +14678,7 @@
 </p:sld>
 </file>
 
-<file path=ppt/slides/slide29.xml><?xml version="1.0" encoding="utf-8"?>
+<file path=ppt/slides/slide28.xml><?xml version="1.0" encoding="utf-8"?>
 <p:sld xmlns:a="http://schemas.openxmlformats.org/drawingml/2006/main" xmlns:r="http://schemas.openxmlformats.org/officeDocument/2006/relationships" xmlns:p="http://schemas.openxmlformats.org/presentationml/2006/main" show="0">
   <p:cSld>
     <p:spTree>
@@ -17030,6 +16041,726 @@
     <p:extLst>
       <p:ext uri="{BB962C8B-B14F-4D97-AF65-F5344CB8AC3E}">
         <p14:creationId xmlns:p14="http://schemas.microsoft.com/office/powerpoint/2010/main" val="1356722683"/>
+      </p:ext>
+    </p:extLst>
+  </p:cSld>
+  <p:clrMapOvr>
+    <a:masterClrMapping/>
+  </p:clrMapOvr>
+</p:sld>
+</file>
+
+<file path=ppt/slides/slide29.xml><?xml version="1.0" encoding="utf-8"?>
+<p:sld xmlns:a="http://schemas.openxmlformats.org/drawingml/2006/main" xmlns:r="http://schemas.openxmlformats.org/officeDocument/2006/relationships" xmlns:p="http://schemas.openxmlformats.org/presentationml/2006/main" show="0">
+  <p:cSld>
+    <p:spTree>
+      <p:nvGrpSpPr>
+        <p:cNvPr id="1" name=""/>
+        <p:cNvGrpSpPr/>
+        <p:nvPr/>
+      </p:nvGrpSpPr>
+      <p:grpSpPr>
+        <a:xfrm>
+          <a:off x="0" y="0"/>
+          <a:ext cx="0" cy="0"/>
+          <a:chOff x="0" y="0"/>
+          <a:chExt cx="0" cy="0"/>
+        </a:xfrm>
+      </p:grpSpPr>
+      <p:sp>
+        <p:nvSpPr>
+          <p:cNvPr id="2" name="Title 1">
+            <a:extLst>
+              <a:ext uri="{FF2B5EF4-FFF2-40B4-BE49-F238E27FC236}">
+                <a16:creationId xmlns:a16="http://schemas.microsoft.com/office/drawing/2014/main" id="{2C7C2C0A-5348-4E41-9E92-F03EBB03B7D9}"/>
+              </a:ext>
+            </a:extLst>
+          </p:cNvPr>
+          <p:cNvSpPr>
+            <a:spLocks noGrp="1"/>
+          </p:cNvSpPr>
+          <p:nvPr>
+            <p:ph type="title"/>
+          </p:nvPr>
+        </p:nvSpPr>
+        <p:spPr/>
+        <p:txBody>
+          <a:bodyPr/>
+          <a:lstStyle/>
+          <a:p>
+            <a:r>
+              <a:rPr lang="en-US" dirty="0"/>
+              <a:t>Appendix: Gaussian Propagation</a:t>
+            </a:r>
+          </a:p>
+        </p:txBody>
+      </p:sp>
+      <p:pic>
+        <p:nvPicPr>
+          <p:cNvPr id="4" name="Picture 3">
+            <a:extLst>
+              <a:ext uri="{FF2B5EF4-FFF2-40B4-BE49-F238E27FC236}">
+                <a16:creationId xmlns:a16="http://schemas.microsoft.com/office/drawing/2014/main" id="{639FEF9F-7CB5-40C4-AB97-E74129D765D6}"/>
+              </a:ext>
+            </a:extLst>
+          </p:cNvPr>
+          <p:cNvPicPr>
+            <a:picLocks noChangeAspect="1"/>
+          </p:cNvPicPr>
+          <p:nvPr/>
+        </p:nvPicPr>
+        <p:blipFill>
+          <a:blip r:embed="rId2">
+            <a:extLst>
+              <a:ext uri="{28A0092B-C50C-407E-A947-70E740481C1C}">
+                <a14:useLocalDpi xmlns:a14="http://schemas.microsoft.com/office/drawing/2010/main" val="0"/>
+              </a:ext>
+            </a:extLst>
+          </a:blip>
+          <a:stretch>
+            <a:fillRect/>
+          </a:stretch>
+        </p:blipFill>
+        <p:spPr>
+          <a:xfrm>
+            <a:off x="1230398" y="2380627"/>
+            <a:ext cx="9392408" cy="2336342"/>
+          </a:xfrm>
+          <a:prstGeom prst="rect">
+            <a:avLst/>
+          </a:prstGeom>
+        </p:spPr>
+      </p:pic>
+      <mc:AlternateContent xmlns:mc="http://schemas.openxmlformats.org/markup-compatibility/2006" xmlns:a14="http://schemas.microsoft.com/office/drawing/2010/main">
+        <mc:Choice Requires="a14">
+          <p:sp>
+            <p:nvSpPr>
+              <p:cNvPr id="5" name="Rectangle 4">
+                <a:extLst>
+                  <a:ext uri="{FF2B5EF4-FFF2-40B4-BE49-F238E27FC236}">
+                    <a16:creationId xmlns:a16="http://schemas.microsoft.com/office/drawing/2014/main" id="{37DCC594-658A-4B6D-A22F-635CC0735604}"/>
+                  </a:ext>
+                </a:extLst>
+              </p:cNvPr>
+              <p:cNvSpPr/>
+              <p:nvPr/>
+            </p:nvSpPr>
+            <p:spPr>
+              <a:xfrm>
+                <a:off x="3626913" y="5315006"/>
+                <a:ext cx="1814279" cy="891847"/>
+              </a:xfrm>
+              <a:prstGeom prst="rect">
+                <a:avLst/>
+              </a:prstGeom>
+            </p:spPr>
+            <p:txBody>
+              <a:bodyPr wrap="none">
+                <a:spAutoFit/>
+              </a:bodyPr>
+              <a:lstStyle/>
+              <a:p>
+                <a:pPr/>
+                <a14:m>
+                  <m:oMathPara xmlns:m="http://schemas.openxmlformats.org/officeDocument/2006/math">
+                    <m:oMathParaPr>
+                      <m:jc m:val="centerGroup"/>
+                    </m:oMathParaPr>
+                    <m:oMath xmlns:m="http://schemas.openxmlformats.org/officeDocument/2006/math">
+                      <m:sSub>
+                        <m:sSubPr>
+                          <m:ctrlPr>
+                            <a:rPr lang="en-US" sz="2800" i="1" smtClean="0">
+                              <a:latin typeface="Cambria Math" panose="02040503050406030204" pitchFamily="18" charset="0"/>
+                            </a:rPr>
+                          </m:ctrlPr>
+                        </m:sSubPr>
+                        <m:e>
+                          <m:r>
+                            <a:rPr lang="en-US" sz="2800" i="1">
+                              <a:latin typeface="Cambria Math" panose="02040503050406030204" pitchFamily="18" charset="0"/>
+                            </a:rPr>
+                            <m:t>𝑦</m:t>
+                          </m:r>
+                        </m:e>
+                        <m:sub>
+                          <m:r>
+                            <a:rPr lang="en-US" sz="2800" i="1">
+                              <a:latin typeface="Cambria Math" panose="02040503050406030204" pitchFamily="18" charset="0"/>
+                            </a:rPr>
+                            <m:t>𝑡</m:t>
+                          </m:r>
+                        </m:sub>
+                      </m:sSub>
+                      <m:r>
+                        <a:rPr lang="en-US" sz="2800" i="1">
+                          <a:latin typeface="Cambria Math" panose="02040503050406030204" pitchFamily="18" charset="0"/>
+                        </a:rPr>
+                        <m:t>=</m:t>
+                      </m:r>
+                      <m:d>
+                        <m:dPr>
+                          <m:begChr m:val="["/>
+                          <m:endChr m:val="]"/>
+                          <m:ctrlPr>
+                            <a:rPr lang="en-US" sz="2800" i="1">
+                              <a:latin typeface="Cambria Math" panose="02040503050406030204" pitchFamily="18" charset="0"/>
+                            </a:rPr>
+                          </m:ctrlPr>
+                        </m:dPr>
+                        <m:e>
+                          <m:r>
+                            <a:rPr lang="en-US" sz="2800" i="1">
+                              <a:latin typeface="Cambria Math" panose="02040503050406030204" pitchFamily="18" charset="0"/>
+                            </a:rPr>
+                            <m:t> </m:t>
+                          </m:r>
+                          <m:m>
+                            <m:mPr>
+                              <m:mcs>
+                                <m:mc>
+                                  <m:mcPr>
+                                    <m:count m:val="1"/>
+                                    <m:mcJc m:val="center"/>
+                                  </m:mcPr>
+                                </m:mc>
+                              </m:mcs>
+                              <m:ctrlPr>
+                                <a:rPr lang="en-US" sz="2800" i="1">
+                                  <a:latin typeface="Cambria Math" panose="02040503050406030204" pitchFamily="18" charset="0"/>
+                                </a:rPr>
+                              </m:ctrlPr>
+                            </m:mPr>
+                            <m:mr>
+                              <m:e>
+                                <m:sSub>
+                                  <m:sSubPr>
+                                    <m:ctrlPr>
+                                      <a:rPr lang="en-US" sz="2800" i="1" dirty="0">
+                                        <a:latin typeface="Cambria Math" panose="02040503050406030204" pitchFamily="18" charset="0"/>
+                                      </a:rPr>
+                                    </m:ctrlPr>
+                                  </m:sSubPr>
+                                  <m:e>
+                                    <m:acc>
+                                      <m:accPr>
+                                        <m:chr m:val="̅"/>
+                                        <m:ctrlPr>
+                                          <a:rPr lang="en-US" sz="2800" i="1">
+                                            <a:latin typeface="Cambria Math" panose="02040503050406030204" pitchFamily="18" charset="0"/>
+                                          </a:rPr>
+                                        </m:ctrlPr>
+                                      </m:accPr>
+                                      <m:e>
+                                        <m:r>
+                                          <a:rPr lang="en-US" sz="2800" i="1">
+                                            <a:latin typeface="Cambria Math" panose="02040503050406030204" pitchFamily="18" charset="0"/>
+                                          </a:rPr>
+                                          <m:t>𝑥</m:t>
+                                        </m:r>
+                                      </m:e>
+                                    </m:acc>
+                                  </m:e>
+                                  <m:sub>
+                                    <m:r>
+                                      <a:rPr lang="en-US" sz="2800" i="1" dirty="0">
+                                        <a:latin typeface="Cambria Math" panose="02040503050406030204" pitchFamily="18" charset="0"/>
+                                      </a:rPr>
+                                      <m:t>𝑡</m:t>
+                                    </m:r>
+                                  </m:sub>
+                                </m:sSub>
+                              </m:e>
+                            </m:mr>
+                            <m:mr>
+                              <m:e>
+                                <m:sSub>
+                                  <m:sSubPr>
+                                    <m:ctrlPr>
+                                      <a:rPr lang="en-US" sz="2800" i="1" dirty="0">
+                                        <a:latin typeface="Cambria Math" panose="02040503050406030204" pitchFamily="18" charset="0"/>
+                                      </a:rPr>
+                                    </m:ctrlPr>
+                                  </m:sSubPr>
+                                  <m:e>
+                                    <m:acc>
+                                      <m:accPr>
+                                        <m:chr m:val="̂"/>
+                                        <m:ctrlPr>
+                                          <a:rPr lang="en-US" sz="2800" i="1">
+                                            <a:latin typeface="Cambria Math" panose="02040503050406030204" pitchFamily="18" charset="0"/>
+                                          </a:rPr>
+                                        </m:ctrlPr>
+                                      </m:accPr>
+                                      <m:e>
+                                        <m:r>
+                                          <a:rPr lang="en-US" sz="2800" i="1">
+                                            <a:latin typeface="Cambria Math" panose="02040503050406030204" pitchFamily="18" charset="0"/>
+                                          </a:rPr>
+                                          <m:t>𝑥</m:t>
+                                        </m:r>
+                                      </m:e>
+                                    </m:acc>
+                                  </m:e>
+                                  <m:sub>
+                                    <m:r>
+                                      <a:rPr lang="en-US" sz="2800" i="1" dirty="0">
+                                        <a:latin typeface="Cambria Math" panose="02040503050406030204" pitchFamily="18" charset="0"/>
+                                      </a:rPr>
+                                      <m:t>𝑡</m:t>
+                                    </m:r>
+                                  </m:sub>
+                                </m:sSub>
+                              </m:e>
+                            </m:mr>
+                          </m:m>
+                          <m:r>
+                            <a:rPr lang="en-US" sz="2800" i="1">
+                              <a:latin typeface="Cambria Math" panose="02040503050406030204" pitchFamily="18" charset="0"/>
+                            </a:rPr>
+                            <m:t> </m:t>
+                          </m:r>
+                        </m:e>
+                      </m:d>
+                    </m:oMath>
+                  </m:oMathPara>
+                </a14:m>
+                <a:endParaRPr lang="en-US" sz="2800" dirty="0"/>
+              </a:p>
+            </p:txBody>
+          </p:sp>
+        </mc:Choice>
+        <mc:Fallback xmlns="">
+          <p:sp>
+            <p:nvSpPr>
+              <p:cNvPr id="5" name="Rectangle 4">
+                <a:extLst>
+                  <a:ext uri="{FF2B5EF4-FFF2-40B4-BE49-F238E27FC236}">
+                    <a16:creationId xmlns:a16="http://schemas.microsoft.com/office/drawing/2014/main" id="{37DCC594-658A-4B6D-A22F-635CC0735604}"/>
+                  </a:ext>
+                </a:extLst>
+              </p:cNvPr>
+              <p:cNvSpPr>
+                <a:spLocks noRot="1" noChangeAspect="1" noMove="1" noResize="1" noEditPoints="1" noAdjustHandles="1" noChangeArrowheads="1" noChangeShapeType="1" noTextEdit="1"/>
+              </p:cNvSpPr>
+              <p:nvPr/>
+            </p:nvSpPr>
+            <p:spPr>
+              <a:xfrm>
+                <a:off x="3626913" y="5315006"/>
+                <a:ext cx="1814279" cy="891847"/>
+              </a:xfrm>
+              <a:prstGeom prst="rect">
+                <a:avLst/>
+              </a:prstGeom>
+              <a:blipFill>
+                <a:blip r:embed="rId3"/>
+                <a:stretch>
+                  <a:fillRect/>
+                </a:stretch>
+              </a:blipFill>
+            </p:spPr>
+            <p:txBody>
+              <a:bodyPr/>
+              <a:lstStyle/>
+              <a:p>
+                <a:r>
+                  <a:rPr lang="en-US">
+                    <a:noFill/>
+                  </a:rPr>
+                  <a:t> </a:t>
+                </a:r>
+              </a:p>
+            </p:txBody>
+          </p:sp>
+        </mc:Fallback>
+      </mc:AlternateContent>
+      <mc:AlternateContent xmlns:mc="http://schemas.openxmlformats.org/markup-compatibility/2006" xmlns:a14="http://schemas.microsoft.com/office/drawing/2010/main">
+        <mc:Choice Requires="a14">
+          <p:sp>
+            <p:nvSpPr>
+              <p:cNvPr id="7" name="Rectangle 6">
+                <a:extLst>
+                  <a:ext uri="{FF2B5EF4-FFF2-40B4-BE49-F238E27FC236}">
+                    <a16:creationId xmlns:a16="http://schemas.microsoft.com/office/drawing/2014/main" id="{16B69B5D-3D5E-40F3-A9E8-9E53F034E300}"/>
+                  </a:ext>
+                </a:extLst>
+              </p:cNvPr>
+              <p:cNvSpPr/>
+              <p:nvPr/>
+            </p:nvSpPr>
+            <p:spPr>
+              <a:xfrm>
+                <a:off x="5926602" y="5145298"/>
+                <a:ext cx="1974451" cy="523220"/>
+              </a:xfrm>
+              <a:prstGeom prst="rect">
+                <a:avLst/>
+              </a:prstGeom>
+            </p:spPr>
+            <p:txBody>
+              <a:bodyPr wrap="none">
+                <a:spAutoFit/>
+              </a:bodyPr>
+              <a:lstStyle/>
+              <a:p>
+                <a:pPr/>
+                <a14:m>
+                  <m:oMathPara xmlns:m="http://schemas.openxmlformats.org/officeDocument/2006/math">
+                    <m:oMathParaPr>
+                      <m:jc m:val="centerGroup"/>
+                    </m:oMathParaPr>
+                    <m:oMath xmlns:m="http://schemas.openxmlformats.org/officeDocument/2006/math">
+                      <m:sSub>
+                        <m:sSubPr>
+                          <m:ctrlPr>
+                            <a:rPr lang="en-US" sz="2800" i="1" dirty="0" smtClean="0">
+                              <a:latin typeface="Cambria Math" panose="02040503050406030204" pitchFamily="18" charset="0"/>
+                            </a:rPr>
+                          </m:ctrlPr>
+                        </m:sSubPr>
+                        <m:e>
+                          <m:acc>
+                            <m:accPr>
+                              <m:chr m:val="̂"/>
+                              <m:ctrlPr>
+                                <a:rPr lang="en-US" sz="2800" i="1">
+                                  <a:latin typeface="Cambria Math" panose="02040503050406030204" pitchFamily="18" charset="0"/>
+                                </a:rPr>
+                              </m:ctrlPr>
+                            </m:accPr>
+                            <m:e>
+                              <m:r>
+                                <a:rPr lang="en-US" sz="2800" i="1">
+                                  <a:latin typeface="Cambria Math" panose="02040503050406030204" pitchFamily="18" charset="0"/>
+                                </a:rPr>
+                                <m:t>𝑦</m:t>
+                              </m:r>
+                            </m:e>
+                          </m:acc>
+                        </m:e>
+                        <m:sub>
+                          <m:r>
+                            <a:rPr lang="en-US" sz="2800" i="1" dirty="0">
+                              <a:latin typeface="Cambria Math" panose="02040503050406030204" pitchFamily="18" charset="0"/>
+                            </a:rPr>
+                            <m:t>𝑡</m:t>
+                          </m:r>
+                        </m:sub>
+                      </m:sSub>
+                      <m:r>
+                        <a:rPr lang="en-US" sz="2800" dirty="0">
+                          <a:latin typeface="Cambria Math" panose="02040503050406030204" pitchFamily="18" charset="0"/>
+                        </a:rPr>
+                        <m:t>=</m:t>
+                      </m:r>
+                      <m:r>
+                        <m:rPr>
+                          <m:sty m:val="p"/>
+                        </m:rPr>
+                        <a:rPr lang="en-US" sz="2800" dirty="0">
+                          <a:latin typeface="Cambria Math" panose="02040503050406030204" pitchFamily="18" charset="0"/>
+                        </a:rPr>
+                        <m:t>E</m:t>
+                      </m:r>
+                      <m:d>
+                        <m:dPr>
+                          <m:begChr m:val="["/>
+                          <m:endChr m:val="]"/>
+                          <m:ctrlPr>
+                            <a:rPr lang="en-US" sz="2800" i="1" dirty="0">
+                              <a:latin typeface="Cambria Math" panose="02040503050406030204" pitchFamily="18" charset="0"/>
+                            </a:rPr>
+                          </m:ctrlPr>
+                        </m:dPr>
+                        <m:e>
+                          <m:sSub>
+                            <m:sSubPr>
+                              <m:ctrlPr>
+                                <a:rPr lang="en-US" sz="2800" i="1" dirty="0">
+                                  <a:latin typeface="Cambria Math" panose="02040503050406030204" pitchFamily="18" charset="0"/>
+                                </a:rPr>
+                              </m:ctrlPr>
+                            </m:sSubPr>
+                            <m:e>
+                              <m:r>
+                                <a:rPr lang="en-US" sz="2800" dirty="0">
+                                  <a:latin typeface="Cambria Math" panose="02040503050406030204" pitchFamily="18" charset="0"/>
+                                </a:rPr>
+                                <m:t> </m:t>
+                              </m:r>
+                              <m:r>
+                                <m:rPr>
+                                  <m:sty m:val="p"/>
+                                </m:rPr>
+                                <a:rPr lang="en-US" sz="2800" dirty="0">
+                                  <a:latin typeface="Cambria Math" panose="02040503050406030204" pitchFamily="18" charset="0"/>
+                                </a:rPr>
+                                <m:t>y</m:t>
+                              </m:r>
+                            </m:e>
+                            <m:sub>
+                              <m:r>
+                                <m:rPr>
+                                  <m:sty m:val="p"/>
+                                </m:rPr>
+                                <a:rPr lang="en-US" sz="2800" dirty="0">
+                                  <a:latin typeface="Cambria Math" panose="02040503050406030204" pitchFamily="18" charset="0"/>
+                                </a:rPr>
+                                <m:t>t</m:t>
+                              </m:r>
+                            </m:sub>
+                          </m:sSub>
+                          <m:r>
+                            <a:rPr lang="en-US" sz="2800" dirty="0">
+                              <a:latin typeface="Cambria Math" panose="02040503050406030204" pitchFamily="18" charset="0"/>
+                            </a:rPr>
+                            <m:t> </m:t>
+                          </m:r>
+                        </m:e>
+                      </m:d>
+                    </m:oMath>
+                  </m:oMathPara>
+                </a14:m>
+                <a:endParaRPr lang="en-US" sz="2800" dirty="0"/>
+              </a:p>
+            </p:txBody>
+          </p:sp>
+        </mc:Choice>
+        <mc:Fallback xmlns="">
+          <p:sp>
+            <p:nvSpPr>
+              <p:cNvPr id="7" name="Rectangle 6">
+                <a:extLst>
+                  <a:ext uri="{FF2B5EF4-FFF2-40B4-BE49-F238E27FC236}">
+                    <a16:creationId xmlns:a16="http://schemas.microsoft.com/office/drawing/2014/main" id="{16B69B5D-3D5E-40F3-A9E8-9E53F034E300}"/>
+                  </a:ext>
+                </a:extLst>
+              </p:cNvPr>
+              <p:cNvSpPr>
+                <a:spLocks noRot="1" noChangeAspect="1" noMove="1" noResize="1" noEditPoints="1" noAdjustHandles="1" noChangeArrowheads="1" noChangeShapeType="1" noTextEdit="1"/>
+              </p:cNvSpPr>
+              <p:nvPr/>
+            </p:nvSpPr>
+            <p:spPr>
+              <a:xfrm>
+                <a:off x="5926602" y="5145298"/>
+                <a:ext cx="1974451" cy="523220"/>
+              </a:xfrm>
+              <a:prstGeom prst="rect">
+                <a:avLst/>
+              </a:prstGeom>
+              <a:blipFill>
+                <a:blip r:embed="rId4"/>
+                <a:stretch>
+                  <a:fillRect/>
+                </a:stretch>
+              </a:blipFill>
+            </p:spPr>
+            <p:txBody>
+              <a:bodyPr/>
+              <a:lstStyle/>
+              <a:p>
+                <a:r>
+                  <a:rPr lang="en-US">
+                    <a:noFill/>
+                  </a:rPr>
+                  <a:t> </a:t>
+                </a:r>
+              </a:p>
+            </p:txBody>
+          </p:sp>
+        </mc:Fallback>
+      </mc:AlternateContent>
+      <mc:AlternateContent xmlns:mc="http://schemas.openxmlformats.org/markup-compatibility/2006" xmlns:a14="http://schemas.microsoft.com/office/drawing/2010/main">
+        <mc:Choice Requires="a14">
+          <p:sp>
+            <p:nvSpPr>
+              <p:cNvPr id="8" name="TextBox 7">
+                <a:extLst>
+                  <a:ext uri="{FF2B5EF4-FFF2-40B4-BE49-F238E27FC236}">
+                    <a16:creationId xmlns:a16="http://schemas.microsoft.com/office/drawing/2014/main" id="{102EB88E-28AA-4C0B-A2A4-1EA0C22B66B3}"/>
+                  </a:ext>
+                </a:extLst>
+              </p:cNvPr>
+              <p:cNvSpPr txBox="1"/>
+              <p:nvPr/>
+            </p:nvSpPr>
+            <p:spPr>
+              <a:xfrm>
+                <a:off x="6001326" y="5331335"/>
+                <a:ext cx="2249014" cy="1292662"/>
+              </a:xfrm>
+              <a:prstGeom prst="rect">
+                <a:avLst/>
+              </a:prstGeom>
+              <a:noFill/>
+            </p:spPr>
+            <p:txBody>
+              <a:bodyPr wrap="none" lIns="0" tIns="0" rIns="0" bIns="0" rtlCol="0">
+                <a:spAutoFit/>
+              </a:bodyPr>
+              <a:lstStyle/>
+              <a:p>
+                <a:endParaRPr lang="en-US" sz="2800" dirty="0">
+                  <a:latin typeface="Cambria Math" panose="02040503050406030204" pitchFamily="18" charset="0"/>
+                </a:endParaRPr>
+              </a:p>
+              <a:p>
+                <a:pPr/>
+                <a14:m>
+                  <m:oMathPara xmlns:m="http://schemas.openxmlformats.org/officeDocument/2006/math">
+                    <m:oMathParaPr>
+                      <m:jc m:val="centerGroup"/>
+                    </m:oMathParaPr>
+                    <m:oMath xmlns:m="http://schemas.openxmlformats.org/officeDocument/2006/math">
+                      <m:sSub>
+                        <m:sSubPr>
+                          <m:ctrlPr>
+                            <a:rPr lang="en-US" sz="2800" i="1">
+                              <a:latin typeface="Cambria Math" panose="02040503050406030204" pitchFamily="18" charset="0"/>
+                            </a:rPr>
+                          </m:ctrlPr>
+                        </m:sSubPr>
+                        <m:e>
+                          <m:r>
+                            <a:rPr lang="en-US" sz="2800" i="1">
+                              <a:latin typeface="Cambria Math" panose="02040503050406030204" pitchFamily="18" charset="0"/>
+                            </a:rPr>
+                            <m:t>𝑅</m:t>
+                          </m:r>
+                        </m:e>
+                        <m:sub>
+                          <m:r>
+                            <a:rPr lang="en-US" sz="2800" i="1">
+                              <a:latin typeface="Cambria Math" panose="02040503050406030204" pitchFamily="18" charset="0"/>
+                            </a:rPr>
+                            <m:t>𝑡</m:t>
+                          </m:r>
+                        </m:sub>
+                      </m:sSub>
+                      <m:r>
+                        <a:rPr lang="en-US" sz="2800" i="1">
+                          <a:latin typeface="Cambria Math" panose="02040503050406030204" pitchFamily="18" charset="0"/>
+                        </a:rPr>
+                        <m:t>=</m:t>
+                      </m:r>
+                      <m:r>
+                        <a:rPr lang="en-US" sz="2800" i="1">
+                          <a:latin typeface="Cambria Math" panose="02040503050406030204" pitchFamily="18" charset="0"/>
+                        </a:rPr>
+                        <m:t>𝑉𝑎𝑟</m:t>
+                      </m:r>
+                      <m:d>
+                        <m:dPr>
+                          <m:begChr m:val="["/>
+                          <m:endChr m:val="]"/>
+                          <m:ctrlPr>
+                            <a:rPr lang="en-US" sz="2800" i="1">
+                              <a:latin typeface="Cambria Math" panose="02040503050406030204" pitchFamily="18" charset="0"/>
+                            </a:rPr>
+                          </m:ctrlPr>
+                        </m:dPr>
+                        <m:e>
+                          <m:r>
+                            <a:rPr lang="en-US" sz="2800" i="1">
+                              <a:latin typeface="Cambria Math" panose="02040503050406030204" pitchFamily="18" charset="0"/>
+                            </a:rPr>
+                            <m:t> </m:t>
+                          </m:r>
+                          <m:sSub>
+                            <m:sSubPr>
+                              <m:ctrlPr>
+                                <a:rPr lang="en-US" sz="2800" i="1">
+                                  <a:latin typeface="Cambria Math" panose="02040503050406030204" pitchFamily="18" charset="0"/>
+                                </a:rPr>
+                              </m:ctrlPr>
+                            </m:sSubPr>
+                            <m:e>
+                              <m:r>
+                                <a:rPr lang="en-US" sz="2800" i="1">
+                                  <a:latin typeface="Cambria Math" panose="02040503050406030204" pitchFamily="18" charset="0"/>
+                                </a:rPr>
+                                <m:t>𝑦</m:t>
+                              </m:r>
+                            </m:e>
+                            <m:sub>
+                              <m:r>
+                                <a:rPr lang="en-US" sz="2800" i="1">
+                                  <a:latin typeface="Cambria Math" panose="02040503050406030204" pitchFamily="18" charset="0"/>
+                                </a:rPr>
+                                <m:t>𝑡</m:t>
+                              </m:r>
+                            </m:sub>
+                          </m:sSub>
+                          <m:r>
+                            <a:rPr lang="en-US" sz="2800" i="1">
+                              <a:latin typeface="Cambria Math" panose="02040503050406030204" pitchFamily="18" charset="0"/>
+                            </a:rPr>
+                            <m:t> </m:t>
+                          </m:r>
+                        </m:e>
+                      </m:d>
+                    </m:oMath>
+                  </m:oMathPara>
+                </a14:m>
+                <a:endParaRPr lang="en-US" sz="2800" dirty="0"/>
+              </a:p>
+              <a:p>
+                <a:endParaRPr lang="en-US" sz="2800" dirty="0"/>
+              </a:p>
+            </p:txBody>
+          </p:sp>
+        </mc:Choice>
+        <mc:Fallback xmlns="">
+          <p:sp>
+            <p:nvSpPr>
+              <p:cNvPr id="8" name="TextBox 7">
+                <a:extLst>
+                  <a:ext uri="{FF2B5EF4-FFF2-40B4-BE49-F238E27FC236}">
+                    <a16:creationId xmlns:a16="http://schemas.microsoft.com/office/drawing/2014/main" id="{102EB88E-28AA-4C0B-A2A4-1EA0C22B66B3}"/>
+                  </a:ext>
+                </a:extLst>
+              </p:cNvPr>
+              <p:cNvSpPr txBox="1">
+                <a:spLocks noRot="1" noChangeAspect="1" noMove="1" noResize="1" noEditPoints="1" noAdjustHandles="1" noChangeArrowheads="1" noChangeShapeType="1" noTextEdit="1"/>
+              </p:cNvSpPr>
+              <p:nvPr/>
+            </p:nvSpPr>
+            <p:spPr>
+              <a:xfrm>
+                <a:off x="6001326" y="5331335"/>
+                <a:ext cx="2249014" cy="1292662"/>
+              </a:xfrm>
+              <a:prstGeom prst="rect">
+                <a:avLst/>
+              </a:prstGeom>
+              <a:blipFill>
+                <a:blip r:embed="rId5"/>
+                <a:stretch>
+                  <a:fillRect/>
+                </a:stretch>
+              </a:blipFill>
+            </p:spPr>
+            <p:txBody>
+              <a:bodyPr/>
+              <a:lstStyle/>
+              <a:p>
+                <a:r>
+                  <a:rPr lang="en-US">
+                    <a:noFill/>
+                  </a:rPr>
+                  <a:t> </a:t>
+                </a:r>
+              </a:p>
+            </p:txBody>
+          </p:sp>
+        </mc:Fallback>
+      </mc:AlternateContent>
+    </p:spTree>
+    <p:extLst>
+      <p:ext uri="{BB962C8B-B14F-4D97-AF65-F5344CB8AC3E}">
+        <p14:creationId xmlns:p14="http://schemas.microsoft.com/office/powerpoint/2010/main" val="2819593756"/>
       </p:ext>
     </p:extLst>
   </p:cSld>
@@ -19044,726 +18775,6 @@
           <p:cNvPr id="2" name="Title 1">
             <a:extLst>
               <a:ext uri="{FF2B5EF4-FFF2-40B4-BE49-F238E27FC236}">
-                <a16:creationId xmlns:a16="http://schemas.microsoft.com/office/drawing/2014/main" id="{2C7C2C0A-5348-4E41-9E92-F03EBB03B7D9}"/>
-              </a:ext>
-            </a:extLst>
-          </p:cNvPr>
-          <p:cNvSpPr>
-            <a:spLocks noGrp="1"/>
-          </p:cNvSpPr>
-          <p:nvPr>
-            <p:ph type="title"/>
-          </p:nvPr>
-        </p:nvSpPr>
-        <p:spPr/>
-        <p:txBody>
-          <a:bodyPr/>
-          <a:lstStyle/>
-          <a:p>
-            <a:r>
-              <a:rPr lang="en-US" dirty="0"/>
-              <a:t>Appendix: Gaussian Propagation</a:t>
-            </a:r>
-          </a:p>
-        </p:txBody>
-      </p:sp>
-      <p:pic>
-        <p:nvPicPr>
-          <p:cNvPr id="4" name="Picture 3">
-            <a:extLst>
-              <a:ext uri="{FF2B5EF4-FFF2-40B4-BE49-F238E27FC236}">
-                <a16:creationId xmlns:a16="http://schemas.microsoft.com/office/drawing/2014/main" id="{639FEF9F-7CB5-40C4-AB97-E74129D765D6}"/>
-              </a:ext>
-            </a:extLst>
-          </p:cNvPr>
-          <p:cNvPicPr>
-            <a:picLocks noChangeAspect="1"/>
-          </p:cNvPicPr>
-          <p:nvPr/>
-        </p:nvPicPr>
-        <p:blipFill>
-          <a:blip r:embed="rId2">
-            <a:extLst>
-              <a:ext uri="{28A0092B-C50C-407E-A947-70E740481C1C}">
-                <a14:useLocalDpi xmlns:a14="http://schemas.microsoft.com/office/drawing/2010/main" val="0"/>
-              </a:ext>
-            </a:extLst>
-          </a:blip>
-          <a:stretch>
-            <a:fillRect/>
-          </a:stretch>
-        </p:blipFill>
-        <p:spPr>
-          <a:xfrm>
-            <a:off x="1230398" y="2380627"/>
-            <a:ext cx="9392408" cy="2336342"/>
-          </a:xfrm>
-          <a:prstGeom prst="rect">
-            <a:avLst/>
-          </a:prstGeom>
-        </p:spPr>
-      </p:pic>
-      <mc:AlternateContent xmlns:mc="http://schemas.openxmlformats.org/markup-compatibility/2006" xmlns:a14="http://schemas.microsoft.com/office/drawing/2010/main">
-        <mc:Choice Requires="a14">
-          <p:sp>
-            <p:nvSpPr>
-              <p:cNvPr id="5" name="Rectangle 4">
-                <a:extLst>
-                  <a:ext uri="{FF2B5EF4-FFF2-40B4-BE49-F238E27FC236}">
-                    <a16:creationId xmlns:a16="http://schemas.microsoft.com/office/drawing/2014/main" id="{37DCC594-658A-4B6D-A22F-635CC0735604}"/>
-                  </a:ext>
-                </a:extLst>
-              </p:cNvPr>
-              <p:cNvSpPr/>
-              <p:nvPr/>
-            </p:nvSpPr>
-            <p:spPr>
-              <a:xfrm>
-                <a:off x="3626913" y="5315006"/>
-                <a:ext cx="1814279" cy="891847"/>
-              </a:xfrm>
-              <a:prstGeom prst="rect">
-                <a:avLst/>
-              </a:prstGeom>
-            </p:spPr>
-            <p:txBody>
-              <a:bodyPr wrap="none">
-                <a:spAutoFit/>
-              </a:bodyPr>
-              <a:lstStyle/>
-              <a:p>
-                <a:pPr/>
-                <a14:m>
-                  <m:oMathPara xmlns:m="http://schemas.openxmlformats.org/officeDocument/2006/math">
-                    <m:oMathParaPr>
-                      <m:jc m:val="centerGroup"/>
-                    </m:oMathParaPr>
-                    <m:oMath xmlns:m="http://schemas.openxmlformats.org/officeDocument/2006/math">
-                      <m:sSub>
-                        <m:sSubPr>
-                          <m:ctrlPr>
-                            <a:rPr lang="en-US" sz="2800" i="1" smtClean="0">
-                              <a:latin typeface="Cambria Math" panose="02040503050406030204" pitchFamily="18" charset="0"/>
-                            </a:rPr>
-                          </m:ctrlPr>
-                        </m:sSubPr>
-                        <m:e>
-                          <m:r>
-                            <a:rPr lang="en-US" sz="2800" i="1">
-                              <a:latin typeface="Cambria Math" panose="02040503050406030204" pitchFamily="18" charset="0"/>
-                            </a:rPr>
-                            <m:t>𝑦</m:t>
-                          </m:r>
-                        </m:e>
-                        <m:sub>
-                          <m:r>
-                            <a:rPr lang="en-US" sz="2800" i="1">
-                              <a:latin typeface="Cambria Math" panose="02040503050406030204" pitchFamily="18" charset="0"/>
-                            </a:rPr>
-                            <m:t>𝑡</m:t>
-                          </m:r>
-                        </m:sub>
-                      </m:sSub>
-                      <m:r>
-                        <a:rPr lang="en-US" sz="2800" i="1">
-                          <a:latin typeface="Cambria Math" panose="02040503050406030204" pitchFamily="18" charset="0"/>
-                        </a:rPr>
-                        <m:t>=</m:t>
-                      </m:r>
-                      <m:d>
-                        <m:dPr>
-                          <m:begChr m:val="["/>
-                          <m:endChr m:val="]"/>
-                          <m:ctrlPr>
-                            <a:rPr lang="en-US" sz="2800" i="1">
-                              <a:latin typeface="Cambria Math" panose="02040503050406030204" pitchFamily="18" charset="0"/>
-                            </a:rPr>
-                          </m:ctrlPr>
-                        </m:dPr>
-                        <m:e>
-                          <m:r>
-                            <a:rPr lang="en-US" sz="2800" i="1">
-                              <a:latin typeface="Cambria Math" panose="02040503050406030204" pitchFamily="18" charset="0"/>
-                            </a:rPr>
-                            <m:t> </m:t>
-                          </m:r>
-                          <m:m>
-                            <m:mPr>
-                              <m:mcs>
-                                <m:mc>
-                                  <m:mcPr>
-                                    <m:count m:val="1"/>
-                                    <m:mcJc m:val="center"/>
-                                  </m:mcPr>
-                                </m:mc>
-                              </m:mcs>
-                              <m:ctrlPr>
-                                <a:rPr lang="en-US" sz="2800" i="1">
-                                  <a:latin typeface="Cambria Math" panose="02040503050406030204" pitchFamily="18" charset="0"/>
-                                </a:rPr>
-                              </m:ctrlPr>
-                            </m:mPr>
-                            <m:mr>
-                              <m:e>
-                                <m:sSub>
-                                  <m:sSubPr>
-                                    <m:ctrlPr>
-                                      <a:rPr lang="en-US" sz="2800" i="1" dirty="0">
-                                        <a:latin typeface="Cambria Math" panose="02040503050406030204" pitchFamily="18" charset="0"/>
-                                      </a:rPr>
-                                    </m:ctrlPr>
-                                  </m:sSubPr>
-                                  <m:e>
-                                    <m:acc>
-                                      <m:accPr>
-                                        <m:chr m:val="̅"/>
-                                        <m:ctrlPr>
-                                          <a:rPr lang="en-US" sz="2800" i="1">
-                                            <a:latin typeface="Cambria Math" panose="02040503050406030204" pitchFamily="18" charset="0"/>
-                                          </a:rPr>
-                                        </m:ctrlPr>
-                                      </m:accPr>
-                                      <m:e>
-                                        <m:r>
-                                          <a:rPr lang="en-US" sz="2800" i="1">
-                                            <a:latin typeface="Cambria Math" panose="02040503050406030204" pitchFamily="18" charset="0"/>
-                                          </a:rPr>
-                                          <m:t>𝑥</m:t>
-                                        </m:r>
-                                      </m:e>
-                                    </m:acc>
-                                  </m:e>
-                                  <m:sub>
-                                    <m:r>
-                                      <a:rPr lang="en-US" sz="2800" i="1" dirty="0">
-                                        <a:latin typeface="Cambria Math" panose="02040503050406030204" pitchFamily="18" charset="0"/>
-                                      </a:rPr>
-                                      <m:t>𝑡</m:t>
-                                    </m:r>
-                                  </m:sub>
-                                </m:sSub>
-                              </m:e>
-                            </m:mr>
-                            <m:mr>
-                              <m:e>
-                                <m:sSub>
-                                  <m:sSubPr>
-                                    <m:ctrlPr>
-                                      <a:rPr lang="en-US" sz="2800" i="1" dirty="0">
-                                        <a:latin typeface="Cambria Math" panose="02040503050406030204" pitchFamily="18" charset="0"/>
-                                      </a:rPr>
-                                    </m:ctrlPr>
-                                  </m:sSubPr>
-                                  <m:e>
-                                    <m:acc>
-                                      <m:accPr>
-                                        <m:chr m:val="̂"/>
-                                        <m:ctrlPr>
-                                          <a:rPr lang="en-US" sz="2800" i="1">
-                                            <a:latin typeface="Cambria Math" panose="02040503050406030204" pitchFamily="18" charset="0"/>
-                                          </a:rPr>
-                                        </m:ctrlPr>
-                                      </m:accPr>
-                                      <m:e>
-                                        <m:r>
-                                          <a:rPr lang="en-US" sz="2800" i="1">
-                                            <a:latin typeface="Cambria Math" panose="02040503050406030204" pitchFamily="18" charset="0"/>
-                                          </a:rPr>
-                                          <m:t>𝑥</m:t>
-                                        </m:r>
-                                      </m:e>
-                                    </m:acc>
-                                  </m:e>
-                                  <m:sub>
-                                    <m:r>
-                                      <a:rPr lang="en-US" sz="2800" i="1" dirty="0">
-                                        <a:latin typeface="Cambria Math" panose="02040503050406030204" pitchFamily="18" charset="0"/>
-                                      </a:rPr>
-                                      <m:t>𝑡</m:t>
-                                    </m:r>
-                                  </m:sub>
-                                </m:sSub>
-                              </m:e>
-                            </m:mr>
-                          </m:m>
-                          <m:r>
-                            <a:rPr lang="en-US" sz="2800" i="1">
-                              <a:latin typeface="Cambria Math" panose="02040503050406030204" pitchFamily="18" charset="0"/>
-                            </a:rPr>
-                            <m:t> </m:t>
-                          </m:r>
-                        </m:e>
-                      </m:d>
-                    </m:oMath>
-                  </m:oMathPara>
-                </a14:m>
-                <a:endParaRPr lang="en-US" sz="2800" dirty="0"/>
-              </a:p>
-            </p:txBody>
-          </p:sp>
-        </mc:Choice>
-        <mc:Fallback xmlns="">
-          <p:sp>
-            <p:nvSpPr>
-              <p:cNvPr id="5" name="Rectangle 4">
-                <a:extLst>
-                  <a:ext uri="{FF2B5EF4-FFF2-40B4-BE49-F238E27FC236}">
-                    <a16:creationId xmlns:a16="http://schemas.microsoft.com/office/drawing/2014/main" id="{37DCC594-658A-4B6D-A22F-635CC0735604}"/>
-                  </a:ext>
-                </a:extLst>
-              </p:cNvPr>
-              <p:cNvSpPr>
-                <a:spLocks noRot="1" noChangeAspect="1" noMove="1" noResize="1" noEditPoints="1" noAdjustHandles="1" noChangeArrowheads="1" noChangeShapeType="1" noTextEdit="1"/>
-              </p:cNvSpPr>
-              <p:nvPr/>
-            </p:nvSpPr>
-            <p:spPr>
-              <a:xfrm>
-                <a:off x="3626913" y="5315006"/>
-                <a:ext cx="1814279" cy="891847"/>
-              </a:xfrm>
-              <a:prstGeom prst="rect">
-                <a:avLst/>
-              </a:prstGeom>
-              <a:blipFill>
-                <a:blip r:embed="rId3"/>
-                <a:stretch>
-                  <a:fillRect/>
-                </a:stretch>
-              </a:blipFill>
-            </p:spPr>
-            <p:txBody>
-              <a:bodyPr/>
-              <a:lstStyle/>
-              <a:p>
-                <a:r>
-                  <a:rPr lang="en-US">
-                    <a:noFill/>
-                  </a:rPr>
-                  <a:t> </a:t>
-                </a:r>
-              </a:p>
-            </p:txBody>
-          </p:sp>
-        </mc:Fallback>
-      </mc:AlternateContent>
-      <mc:AlternateContent xmlns:mc="http://schemas.openxmlformats.org/markup-compatibility/2006" xmlns:a14="http://schemas.microsoft.com/office/drawing/2010/main">
-        <mc:Choice Requires="a14">
-          <p:sp>
-            <p:nvSpPr>
-              <p:cNvPr id="7" name="Rectangle 6">
-                <a:extLst>
-                  <a:ext uri="{FF2B5EF4-FFF2-40B4-BE49-F238E27FC236}">
-                    <a16:creationId xmlns:a16="http://schemas.microsoft.com/office/drawing/2014/main" id="{16B69B5D-3D5E-40F3-A9E8-9E53F034E300}"/>
-                  </a:ext>
-                </a:extLst>
-              </p:cNvPr>
-              <p:cNvSpPr/>
-              <p:nvPr/>
-            </p:nvSpPr>
-            <p:spPr>
-              <a:xfrm>
-                <a:off x="5926602" y="5145298"/>
-                <a:ext cx="1974451" cy="523220"/>
-              </a:xfrm>
-              <a:prstGeom prst="rect">
-                <a:avLst/>
-              </a:prstGeom>
-            </p:spPr>
-            <p:txBody>
-              <a:bodyPr wrap="none">
-                <a:spAutoFit/>
-              </a:bodyPr>
-              <a:lstStyle/>
-              <a:p>
-                <a:pPr/>
-                <a14:m>
-                  <m:oMathPara xmlns:m="http://schemas.openxmlformats.org/officeDocument/2006/math">
-                    <m:oMathParaPr>
-                      <m:jc m:val="centerGroup"/>
-                    </m:oMathParaPr>
-                    <m:oMath xmlns:m="http://schemas.openxmlformats.org/officeDocument/2006/math">
-                      <m:sSub>
-                        <m:sSubPr>
-                          <m:ctrlPr>
-                            <a:rPr lang="en-US" sz="2800" i="1" dirty="0" smtClean="0">
-                              <a:latin typeface="Cambria Math" panose="02040503050406030204" pitchFamily="18" charset="0"/>
-                            </a:rPr>
-                          </m:ctrlPr>
-                        </m:sSubPr>
-                        <m:e>
-                          <m:acc>
-                            <m:accPr>
-                              <m:chr m:val="̂"/>
-                              <m:ctrlPr>
-                                <a:rPr lang="en-US" sz="2800" i="1">
-                                  <a:latin typeface="Cambria Math" panose="02040503050406030204" pitchFamily="18" charset="0"/>
-                                </a:rPr>
-                              </m:ctrlPr>
-                            </m:accPr>
-                            <m:e>
-                              <m:r>
-                                <a:rPr lang="en-US" sz="2800" i="1">
-                                  <a:latin typeface="Cambria Math" panose="02040503050406030204" pitchFamily="18" charset="0"/>
-                                </a:rPr>
-                                <m:t>𝑦</m:t>
-                              </m:r>
-                            </m:e>
-                          </m:acc>
-                        </m:e>
-                        <m:sub>
-                          <m:r>
-                            <a:rPr lang="en-US" sz="2800" i="1" dirty="0">
-                              <a:latin typeface="Cambria Math" panose="02040503050406030204" pitchFamily="18" charset="0"/>
-                            </a:rPr>
-                            <m:t>𝑡</m:t>
-                          </m:r>
-                        </m:sub>
-                      </m:sSub>
-                      <m:r>
-                        <a:rPr lang="en-US" sz="2800" dirty="0">
-                          <a:latin typeface="Cambria Math" panose="02040503050406030204" pitchFamily="18" charset="0"/>
-                        </a:rPr>
-                        <m:t>=</m:t>
-                      </m:r>
-                      <m:r>
-                        <m:rPr>
-                          <m:sty m:val="p"/>
-                        </m:rPr>
-                        <a:rPr lang="en-US" sz="2800" dirty="0">
-                          <a:latin typeface="Cambria Math" panose="02040503050406030204" pitchFamily="18" charset="0"/>
-                        </a:rPr>
-                        <m:t>E</m:t>
-                      </m:r>
-                      <m:d>
-                        <m:dPr>
-                          <m:begChr m:val="["/>
-                          <m:endChr m:val="]"/>
-                          <m:ctrlPr>
-                            <a:rPr lang="en-US" sz="2800" i="1" dirty="0">
-                              <a:latin typeface="Cambria Math" panose="02040503050406030204" pitchFamily="18" charset="0"/>
-                            </a:rPr>
-                          </m:ctrlPr>
-                        </m:dPr>
-                        <m:e>
-                          <m:sSub>
-                            <m:sSubPr>
-                              <m:ctrlPr>
-                                <a:rPr lang="en-US" sz="2800" i="1" dirty="0">
-                                  <a:latin typeface="Cambria Math" panose="02040503050406030204" pitchFamily="18" charset="0"/>
-                                </a:rPr>
-                              </m:ctrlPr>
-                            </m:sSubPr>
-                            <m:e>
-                              <m:r>
-                                <a:rPr lang="en-US" sz="2800" dirty="0">
-                                  <a:latin typeface="Cambria Math" panose="02040503050406030204" pitchFamily="18" charset="0"/>
-                                </a:rPr>
-                                <m:t> </m:t>
-                              </m:r>
-                              <m:r>
-                                <m:rPr>
-                                  <m:sty m:val="p"/>
-                                </m:rPr>
-                                <a:rPr lang="en-US" sz="2800" dirty="0">
-                                  <a:latin typeface="Cambria Math" panose="02040503050406030204" pitchFamily="18" charset="0"/>
-                                </a:rPr>
-                                <m:t>y</m:t>
-                              </m:r>
-                            </m:e>
-                            <m:sub>
-                              <m:r>
-                                <m:rPr>
-                                  <m:sty m:val="p"/>
-                                </m:rPr>
-                                <a:rPr lang="en-US" sz="2800" dirty="0">
-                                  <a:latin typeface="Cambria Math" panose="02040503050406030204" pitchFamily="18" charset="0"/>
-                                </a:rPr>
-                                <m:t>t</m:t>
-                              </m:r>
-                            </m:sub>
-                          </m:sSub>
-                          <m:r>
-                            <a:rPr lang="en-US" sz="2800" dirty="0">
-                              <a:latin typeface="Cambria Math" panose="02040503050406030204" pitchFamily="18" charset="0"/>
-                            </a:rPr>
-                            <m:t> </m:t>
-                          </m:r>
-                        </m:e>
-                      </m:d>
-                    </m:oMath>
-                  </m:oMathPara>
-                </a14:m>
-                <a:endParaRPr lang="en-US" sz="2800" dirty="0"/>
-              </a:p>
-            </p:txBody>
-          </p:sp>
-        </mc:Choice>
-        <mc:Fallback xmlns="">
-          <p:sp>
-            <p:nvSpPr>
-              <p:cNvPr id="7" name="Rectangle 6">
-                <a:extLst>
-                  <a:ext uri="{FF2B5EF4-FFF2-40B4-BE49-F238E27FC236}">
-                    <a16:creationId xmlns:a16="http://schemas.microsoft.com/office/drawing/2014/main" id="{16B69B5D-3D5E-40F3-A9E8-9E53F034E300}"/>
-                  </a:ext>
-                </a:extLst>
-              </p:cNvPr>
-              <p:cNvSpPr>
-                <a:spLocks noRot="1" noChangeAspect="1" noMove="1" noResize="1" noEditPoints="1" noAdjustHandles="1" noChangeArrowheads="1" noChangeShapeType="1" noTextEdit="1"/>
-              </p:cNvSpPr>
-              <p:nvPr/>
-            </p:nvSpPr>
-            <p:spPr>
-              <a:xfrm>
-                <a:off x="5926602" y="5145298"/>
-                <a:ext cx="1974451" cy="523220"/>
-              </a:xfrm>
-              <a:prstGeom prst="rect">
-                <a:avLst/>
-              </a:prstGeom>
-              <a:blipFill>
-                <a:blip r:embed="rId4"/>
-                <a:stretch>
-                  <a:fillRect/>
-                </a:stretch>
-              </a:blipFill>
-            </p:spPr>
-            <p:txBody>
-              <a:bodyPr/>
-              <a:lstStyle/>
-              <a:p>
-                <a:r>
-                  <a:rPr lang="en-US">
-                    <a:noFill/>
-                  </a:rPr>
-                  <a:t> </a:t>
-                </a:r>
-              </a:p>
-            </p:txBody>
-          </p:sp>
-        </mc:Fallback>
-      </mc:AlternateContent>
-      <mc:AlternateContent xmlns:mc="http://schemas.openxmlformats.org/markup-compatibility/2006" xmlns:a14="http://schemas.microsoft.com/office/drawing/2010/main">
-        <mc:Choice Requires="a14">
-          <p:sp>
-            <p:nvSpPr>
-              <p:cNvPr id="8" name="TextBox 7">
-                <a:extLst>
-                  <a:ext uri="{FF2B5EF4-FFF2-40B4-BE49-F238E27FC236}">
-                    <a16:creationId xmlns:a16="http://schemas.microsoft.com/office/drawing/2014/main" id="{102EB88E-28AA-4C0B-A2A4-1EA0C22B66B3}"/>
-                  </a:ext>
-                </a:extLst>
-              </p:cNvPr>
-              <p:cNvSpPr txBox="1"/>
-              <p:nvPr/>
-            </p:nvSpPr>
-            <p:spPr>
-              <a:xfrm>
-                <a:off x="6001326" y="5331335"/>
-                <a:ext cx="2249014" cy="1292662"/>
-              </a:xfrm>
-              <a:prstGeom prst="rect">
-                <a:avLst/>
-              </a:prstGeom>
-              <a:noFill/>
-            </p:spPr>
-            <p:txBody>
-              <a:bodyPr wrap="none" lIns="0" tIns="0" rIns="0" bIns="0" rtlCol="0">
-                <a:spAutoFit/>
-              </a:bodyPr>
-              <a:lstStyle/>
-              <a:p>
-                <a:endParaRPr lang="en-US" sz="2800" dirty="0">
-                  <a:latin typeface="Cambria Math" panose="02040503050406030204" pitchFamily="18" charset="0"/>
-                </a:endParaRPr>
-              </a:p>
-              <a:p>
-                <a:pPr/>
-                <a14:m>
-                  <m:oMathPara xmlns:m="http://schemas.openxmlformats.org/officeDocument/2006/math">
-                    <m:oMathParaPr>
-                      <m:jc m:val="centerGroup"/>
-                    </m:oMathParaPr>
-                    <m:oMath xmlns:m="http://schemas.openxmlformats.org/officeDocument/2006/math">
-                      <m:sSub>
-                        <m:sSubPr>
-                          <m:ctrlPr>
-                            <a:rPr lang="en-US" sz="2800" i="1">
-                              <a:latin typeface="Cambria Math" panose="02040503050406030204" pitchFamily="18" charset="0"/>
-                            </a:rPr>
-                          </m:ctrlPr>
-                        </m:sSubPr>
-                        <m:e>
-                          <m:r>
-                            <a:rPr lang="en-US" sz="2800" i="1">
-                              <a:latin typeface="Cambria Math" panose="02040503050406030204" pitchFamily="18" charset="0"/>
-                            </a:rPr>
-                            <m:t>𝑅</m:t>
-                          </m:r>
-                        </m:e>
-                        <m:sub>
-                          <m:r>
-                            <a:rPr lang="en-US" sz="2800" i="1">
-                              <a:latin typeface="Cambria Math" panose="02040503050406030204" pitchFamily="18" charset="0"/>
-                            </a:rPr>
-                            <m:t>𝑡</m:t>
-                          </m:r>
-                        </m:sub>
-                      </m:sSub>
-                      <m:r>
-                        <a:rPr lang="en-US" sz="2800" i="1">
-                          <a:latin typeface="Cambria Math" panose="02040503050406030204" pitchFamily="18" charset="0"/>
-                        </a:rPr>
-                        <m:t>=</m:t>
-                      </m:r>
-                      <m:r>
-                        <a:rPr lang="en-US" sz="2800" i="1">
-                          <a:latin typeface="Cambria Math" panose="02040503050406030204" pitchFamily="18" charset="0"/>
-                        </a:rPr>
-                        <m:t>𝑉𝑎𝑟</m:t>
-                      </m:r>
-                      <m:d>
-                        <m:dPr>
-                          <m:begChr m:val="["/>
-                          <m:endChr m:val="]"/>
-                          <m:ctrlPr>
-                            <a:rPr lang="en-US" sz="2800" i="1">
-                              <a:latin typeface="Cambria Math" panose="02040503050406030204" pitchFamily="18" charset="0"/>
-                            </a:rPr>
-                          </m:ctrlPr>
-                        </m:dPr>
-                        <m:e>
-                          <m:r>
-                            <a:rPr lang="en-US" sz="2800" i="1">
-                              <a:latin typeface="Cambria Math" panose="02040503050406030204" pitchFamily="18" charset="0"/>
-                            </a:rPr>
-                            <m:t> </m:t>
-                          </m:r>
-                          <m:sSub>
-                            <m:sSubPr>
-                              <m:ctrlPr>
-                                <a:rPr lang="en-US" sz="2800" i="1">
-                                  <a:latin typeface="Cambria Math" panose="02040503050406030204" pitchFamily="18" charset="0"/>
-                                </a:rPr>
-                              </m:ctrlPr>
-                            </m:sSubPr>
-                            <m:e>
-                              <m:r>
-                                <a:rPr lang="en-US" sz="2800" i="1">
-                                  <a:latin typeface="Cambria Math" panose="02040503050406030204" pitchFamily="18" charset="0"/>
-                                </a:rPr>
-                                <m:t>𝑦</m:t>
-                              </m:r>
-                            </m:e>
-                            <m:sub>
-                              <m:r>
-                                <a:rPr lang="en-US" sz="2800" i="1">
-                                  <a:latin typeface="Cambria Math" panose="02040503050406030204" pitchFamily="18" charset="0"/>
-                                </a:rPr>
-                                <m:t>𝑡</m:t>
-                              </m:r>
-                            </m:sub>
-                          </m:sSub>
-                          <m:r>
-                            <a:rPr lang="en-US" sz="2800" i="1">
-                              <a:latin typeface="Cambria Math" panose="02040503050406030204" pitchFamily="18" charset="0"/>
-                            </a:rPr>
-                            <m:t> </m:t>
-                          </m:r>
-                        </m:e>
-                      </m:d>
-                    </m:oMath>
-                  </m:oMathPara>
-                </a14:m>
-                <a:endParaRPr lang="en-US" sz="2800" dirty="0"/>
-              </a:p>
-              <a:p>
-                <a:endParaRPr lang="en-US" sz="2800" dirty="0"/>
-              </a:p>
-            </p:txBody>
-          </p:sp>
-        </mc:Choice>
-        <mc:Fallback xmlns="">
-          <p:sp>
-            <p:nvSpPr>
-              <p:cNvPr id="8" name="TextBox 7">
-                <a:extLst>
-                  <a:ext uri="{FF2B5EF4-FFF2-40B4-BE49-F238E27FC236}">
-                    <a16:creationId xmlns:a16="http://schemas.microsoft.com/office/drawing/2014/main" id="{102EB88E-28AA-4C0B-A2A4-1EA0C22B66B3}"/>
-                  </a:ext>
-                </a:extLst>
-              </p:cNvPr>
-              <p:cNvSpPr txBox="1">
-                <a:spLocks noRot="1" noChangeAspect="1" noMove="1" noResize="1" noEditPoints="1" noAdjustHandles="1" noChangeArrowheads="1" noChangeShapeType="1" noTextEdit="1"/>
-              </p:cNvSpPr>
-              <p:nvPr/>
-            </p:nvSpPr>
-            <p:spPr>
-              <a:xfrm>
-                <a:off x="6001326" y="5331335"/>
-                <a:ext cx="2249014" cy="1292662"/>
-              </a:xfrm>
-              <a:prstGeom prst="rect">
-                <a:avLst/>
-              </a:prstGeom>
-              <a:blipFill>
-                <a:blip r:embed="rId5"/>
-                <a:stretch>
-                  <a:fillRect/>
-                </a:stretch>
-              </a:blipFill>
-            </p:spPr>
-            <p:txBody>
-              <a:bodyPr/>
-              <a:lstStyle/>
-              <a:p>
-                <a:r>
-                  <a:rPr lang="en-US">
-                    <a:noFill/>
-                  </a:rPr>
-                  <a:t> </a:t>
-                </a:r>
-              </a:p>
-            </p:txBody>
-          </p:sp>
-        </mc:Fallback>
-      </mc:AlternateContent>
-    </p:spTree>
-    <p:extLst>
-      <p:ext uri="{BB962C8B-B14F-4D97-AF65-F5344CB8AC3E}">
-        <p14:creationId xmlns:p14="http://schemas.microsoft.com/office/powerpoint/2010/main" val="2819593756"/>
-      </p:ext>
-    </p:extLst>
-  </p:cSld>
-  <p:clrMapOvr>
-    <a:masterClrMapping/>
-  </p:clrMapOvr>
-</p:sld>
-</file>
-
-<file path=ppt/slides/slide31.xml><?xml version="1.0" encoding="utf-8"?>
-<p:sld xmlns:a="http://schemas.openxmlformats.org/drawingml/2006/main" xmlns:r="http://schemas.openxmlformats.org/officeDocument/2006/relationships" xmlns:p="http://schemas.openxmlformats.org/presentationml/2006/main" show="0">
-  <p:cSld>
-    <p:spTree>
-      <p:nvGrpSpPr>
-        <p:cNvPr id="1" name=""/>
-        <p:cNvGrpSpPr/>
-        <p:nvPr/>
-      </p:nvGrpSpPr>
-      <p:grpSpPr>
-        <a:xfrm>
-          <a:off x="0" y="0"/>
-          <a:ext cx="0" cy="0"/>
-          <a:chOff x="0" y="0"/>
-          <a:chExt cx="0" cy="0"/>
-        </a:xfrm>
-      </p:grpSpPr>
-      <p:sp>
-        <p:nvSpPr>
-          <p:cNvPr id="2" name="Title 1">
-            <a:extLst>
-              <a:ext uri="{FF2B5EF4-FFF2-40B4-BE49-F238E27FC236}">
                 <a16:creationId xmlns:a16="http://schemas.microsoft.com/office/drawing/2014/main" id="{FF007B2A-E588-4F87-AA22-19DCAC3DDF15}"/>
               </a:ext>
             </a:extLst>
@@ -20024,7 +19035,7 @@
 </p:sld>
 </file>
 
-<file path=ppt/slides/slide32.xml><?xml version="1.0" encoding="utf-8"?>
+<file path=ppt/slides/slide31.xml><?xml version="1.0" encoding="utf-8"?>
 <p:sld xmlns:a="http://schemas.openxmlformats.org/drawingml/2006/main" xmlns:r="http://schemas.openxmlformats.org/officeDocument/2006/relationships" xmlns:p="http://schemas.openxmlformats.org/presentationml/2006/main" show="0">
   <p:cSld>
     <p:spTree>
@@ -20797,7 +19808,7 @@
 </p:sld>
 </file>
 
-<file path=ppt/slides/slide33.xml><?xml version="1.0" encoding="utf-8"?>
+<file path=ppt/slides/slide32.xml><?xml version="1.0" encoding="utf-8"?>
 <p:sld xmlns:a="http://schemas.openxmlformats.org/drawingml/2006/main" xmlns:r="http://schemas.openxmlformats.org/officeDocument/2006/relationships" xmlns:p="http://schemas.openxmlformats.org/presentationml/2006/main" show="0">
   <p:cSld>
     <p:spTree>
@@ -22101,7 +21112,7 @@
 </p:sld>
 </file>
 
-<file path=ppt/slides/slide34.xml><?xml version="1.0" encoding="utf-8"?>
+<file path=ppt/slides/slide33.xml><?xml version="1.0" encoding="utf-8"?>
 <p:sld xmlns:a="http://schemas.openxmlformats.org/drawingml/2006/main" xmlns:r="http://schemas.openxmlformats.org/officeDocument/2006/relationships" xmlns:p="http://schemas.openxmlformats.org/presentationml/2006/main" show="0">
   <p:cSld>
     <p:spTree>
@@ -23239,7 +22250,7 @@
 </p:sld>
 </file>
 
-<file path=ppt/slides/slide35.xml><?xml version="1.0" encoding="utf-8"?>
+<file path=ppt/slides/slide34.xml><?xml version="1.0" encoding="utf-8"?>
 <p:sld xmlns:a="http://schemas.openxmlformats.org/drawingml/2006/main" xmlns:r="http://schemas.openxmlformats.org/officeDocument/2006/relationships" xmlns:p="http://schemas.openxmlformats.org/presentationml/2006/main">
   <p:cSld>
     <p:spTree>
@@ -23816,7 +22827,7 @@
 </p:sld>
 </file>
 
-<file path=ppt/slides/slide36.xml><?xml version="1.0" encoding="utf-8"?>
+<file path=ppt/slides/slide35.xml><?xml version="1.0" encoding="utf-8"?>
 <p:sld xmlns:a="http://schemas.openxmlformats.org/drawingml/2006/main" xmlns:r="http://schemas.openxmlformats.org/officeDocument/2006/relationships" xmlns:p="http://schemas.openxmlformats.org/presentationml/2006/main">
   <p:cSld>
     <p:spTree>
@@ -23961,7 +22972,7 @@
 </p:sld>
 </file>
 
-<file path=ppt/slides/slide37.xml><?xml version="1.0" encoding="utf-8"?>
+<file path=ppt/slides/slide36.xml><?xml version="1.0" encoding="utf-8"?>
 <p:sld xmlns:a="http://schemas.openxmlformats.org/drawingml/2006/main" xmlns:r="http://schemas.openxmlformats.org/officeDocument/2006/relationships" xmlns:p="http://schemas.openxmlformats.org/presentationml/2006/main">
   <p:cSld>
     <p:spTree>
@@ -24306,7 +23317,7 @@
 </p:sld>
 </file>
 
-<file path=ppt/slides/slide38.xml><?xml version="1.0" encoding="utf-8"?>
+<file path=ppt/slides/slide37.xml><?xml version="1.0" encoding="utf-8"?>
 <p:sld xmlns:a="http://schemas.openxmlformats.org/drawingml/2006/main" xmlns:r="http://schemas.openxmlformats.org/officeDocument/2006/relationships" xmlns:p="http://schemas.openxmlformats.org/presentationml/2006/main">
   <p:cSld>
     <p:spTree>
@@ -25278,7 +24289,7 @@
 </p:sld>
 </file>
 
-<file path=ppt/slides/slide39.xml><?xml version="1.0" encoding="utf-8"?>
+<file path=ppt/slides/slide38.xml><?xml version="1.0" encoding="utf-8"?>
 <p:sld xmlns:a="http://schemas.openxmlformats.org/drawingml/2006/main" xmlns:r="http://schemas.openxmlformats.org/officeDocument/2006/relationships" xmlns:p="http://schemas.openxmlformats.org/presentationml/2006/main">
   <p:cSld>
     <p:spTree>
@@ -27291,768 +26302,7 @@
 </p:sld>
 </file>
 
-<file path=ppt/slides/slide4.xml><?xml version="1.0" encoding="utf-8"?>
-<p:sld xmlns:a="http://schemas.openxmlformats.org/drawingml/2006/main" xmlns:r="http://schemas.openxmlformats.org/officeDocument/2006/relationships" xmlns:p="http://schemas.openxmlformats.org/presentationml/2006/main">
-  <p:cSld>
-    <p:spTree>
-      <p:nvGrpSpPr>
-        <p:cNvPr id="1" name=""/>
-        <p:cNvGrpSpPr/>
-        <p:nvPr/>
-      </p:nvGrpSpPr>
-      <p:grpSpPr>
-        <a:xfrm>
-          <a:off x="0" y="0"/>
-          <a:ext cx="0" cy="0"/>
-          <a:chOff x="0" y="0"/>
-          <a:chExt cx="0" cy="0"/>
-        </a:xfrm>
-      </p:grpSpPr>
-      <p:pic>
-        <p:nvPicPr>
-          <p:cNvPr id="5" name="Picture 4">
-            <a:extLst>
-              <a:ext uri="{FF2B5EF4-FFF2-40B4-BE49-F238E27FC236}">
-                <a16:creationId xmlns:a16="http://schemas.microsoft.com/office/drawing/2014/main" id="{CFD3078A-D520-46B3-9CE8-BE7D0EE3876D}"/>
-              </a:ext>
-            </a:extLst>
-          </p:cNvPr>
-          <p:cNvPicPr>
-            <a:picLocks noChangeAspect="1"/>
-          </p:cNvPicPr>
-          <p:nvPr/>
-        </p:nvPicPr>
-        <p:blipFill>
-          <a:blip r:embed="rId4">
-            <a:extLst>
-              <a:ext uri="{28A0092B-C50C-407E-A947-70E740481C1C}">
-                <a14:useLocalDpi xmlns:a14="http://schemas.microsoft.com/office/drawing/2010/main" val="0"/>
-              </a:ext>
-            </a:extLst>
-          </a:blip>
-          <a:stretch>
-            <a:fillRect/>
-          </a:stretch>
-        </p:blipFill>
-        <p:spPr>
-          <a:xfrm>
-            <a:off x="6932586" y="2047973"/>
-            <a:ext cx="5196350" cy="2919713"/>
-          </a:xfrm>
-          <a:prstGeom prst="rect">
-            <a:avLst/>
-          </a:prstGeom>
-        </p:spPr>
-      </p:pic>
-      <p:sp>
-        <p:nvSpPr>
-          <p:cNvPr id="2" name="Title 1">
-            <a:extLst>
-              <a:ext uri="{FF2B5EF4-FFF2-40B4-BE49-F238E27FC236}">
-                <a16:creationId xmlns:a16="http://schemas.microsoft.com/office/drawing/2014/main" id="{E6C6C7B7-1145-4ADC-821C-3AB0E0C51908}"/>
-              </a:ext>
-            </a:extLst>
-          </p:cNvPr>
-          <p:cNvSpPr>
-            <a:spLocks noGrp="1"/>
-          </p:cNvSpPr>
-          <p:nvPr>
-            <p:ph type="title"/>
-          </p:nvPr>
-        </p:nvSpPr>
-        <p:spPr/>
-        <p:txBody>
-          <a:bodyPr/>
-          <a:lstStyle/>
-          <a:p>
-            <a:r>
-              <a:rPr lang="en-US" dirty="0"/>
-              <a:t>Problems</a:t>
-            </a:r>
-          </a:p>
-        </p:txBody>
-      </p:sp>
-      <p:sp>
-        <p:nvSpPr>
-          <p:cNvPr id="3" name="Content Placeholder 2">
-            <a:extLst>
-              <a:ext uri="{FF2B5EF4-FFF2-40B4-BE49-F238E27FC236}">
-                <a16:creationId xmlns:a16="http://schemas.microsoft.com/office/drawing/2014/main" id="{B681777C-D570-4492-88F6-6D7CA45A58CF}"/>
-              </a:ext>
-            </a:extLst>
-          </p:cNvPr>
-          <p:cNvSpPr>
-            <a:spLocks noGrp="1"/>
-          </p:cNvSpPr>
-          <p:nvPr>
-            <p:ph idx="1"/>
-          </p:nvPr>
-        </p:nvSpPr>
-        <p:spPr>
-          <a:xfrm>
-            <a:off x="838199" y="1825625"/>
-            <a:ext cx="6492767" cy="4351338"/>
-          </a:xfrm>
-        </p:spPr>
-        <p:txBody>
-          <a:bodyPr>
-            <a:noAutofit/>
-          </a:bodyPr>
-          <a:lstStyle/>
-          <a:p>
-            <a:r>
-              <a:rPr lang="en-US" dirty="0">
-                <a:solidFill>
-                  <a:schemeClr val="tx1">
-                    <a:alpha val="24000"/>
-                  </a:schemeClr>
-                </a:solidFill>
-              </a:rPr>
-              <a:t>Real world uncertainty in</a:t>
-            </a:r>
-          </a:p>
-          <a:p>
-            <a:pPr lvl="1"/>
-            <a:r>
-              <a:rPr lang="en-US" dirty="0">
-                <a:solidFill>
-                  <a:schemeClr val="tx1">
-                    <a:alpha val="24000"/>
-                  </a:schemeClr>
-                </a:solidFill>
-              </a:rPr>
-              <a:t>Robot motion</a:t>
-            </a:r>
-          </a:p>
-          <a:p>
-            <a:pPr lvl="1"/>
-            <a:r>
-              <a:rPr lang="en-US" dirty="0">
-                <a:solidFill>
-                  <a:schemeClr val="tx1">
-                    <a:alpha val="24000"/>
-                  </a:schemeClr>
-                </a:solidFill>
-              </a:rPr>
-              <a:t>Sensor information</a:t>
-            </a:r>
-          </a:p>
-          <a:p>
-            <a:r>
-              <a:rPr lang="en-US" dirty="0">
-                <a:solidFill>
-                  <a:schemeClr val="tx1">
-                    <a:alpha val="24000"/>
-                  </a:schemeClr>
-                </a:solidFill>
-              </a:rPr>
-              <a:t>Naïve Monte-Carlo simulation is a no-go</a:t>
-            </a:r>
-          </a:p>
-          <a:p>
-            <a:pPr lvl="1"/>
-            <a:r>
-              <a:rPr lang="en-US" dirty="0">
-                <a:solidFill>
-                  <a:schemeClr val="tx1">
-                    <a:alpha val="24000"/>
-                  </a:schemeClr>
-                </a:solidFill>
-              </a:rPr>
-              <a:t>Requires many simulations of many particles</a:t>
-            </a:r>
-          </a:p>
-          <a:p>
-            <a:pPr lvl="1"/>
-            <a:r>
-              <a:rPr lang="en-US" dirty="0">
-                <a:solidFill>
-                  <a:schemeClr val="tx1">
-                    <a:alpha val="24000"/>
-                  </a:schemeClr>
-                </a:solidFill>
-              </a:rPr>
-              <a:t>No guarantee of conservative estimate</a:t>
-            </a:r>
-          </a:p>
-          <a:p>
-            <a:pPr lvl="1"/>
-            <a:endParaRPr lang="en-US" dirty="0"/>
-          </a:p>
-          <a:p>
-            <a:endParaRPr lang="en-US" dirty="0"/>
-          </a:p>
-        </p:txBody>
-      </p:sp>
-    </p:spTree>
-    <p:custDataLst>
-      <p:tags r:id="rId1"/>
-    </p:custDataLst>
-    <p:extLst>
-      <p:ext uri="{BB962C8B-B14F-4D97-AF65-F5344CB8AC3E}">
-        <p14:creationId xmlns:p14="http://schemas.microsoft.com/office/powerpoint/2010/main" val="492888126"/>
-      </p:ext>
-    </p:extLst>
-  </p:cSld>
-  <p:clrMapOvr>
-    <a:masterClrMapping/>
-  </p:clrMapOvr>
-  <p:timing>
-    <p:tnLst>
-      <p:par>
-        <p:cTn id="1" dur="indefinite" restart="never" nodeType="tmRoot">
-          <p:childTnLst>
-            <p:seq concurrent="1" nextAc="seek">
-              <p:cTn id="2" dur="indefinite" nodeType="mainSeq">
-                <p:childTnLst>
-                  <p:par>
-                    <p:cTn id="3" fill="hold">
-                      <p:stCondLst>
-                        <p:cond delay="indefinite"/>
-                      </p:stCondLst>
-                      <p:childTnLst>
-                        <p:par>
-                          <p:cTn id="4" fill="hold">
-                            <p:stCondLst>
-                              <p:cond delay="0"/>
-                            </p:stCondLst>
-                            <p:childTnLst>
-                              <p:par>
-                                <p:cTn id="5" presetID="24" presetClass="emph" presetSubtype="0" fill="hold" nodeType="clickEffect">
-                                  <p:stCondLst>
-                                    <p:cond delay="0"/>
-                                  </p:stCondLst>
-                                  <p:childTnLst>
-                                    <p:animClr clrSpc="hsl" dir="cw">
-                                      <p:cBhvr override="childStyle">
-                                        <p:cTn id="6" dur="500" fill="hold"/>
-                                        <p:tgtEl>
-                                          <p:spTgt spid="3">
-                                            <p:txEl>
-                                              <p:pRg st="0" end="0"/>
-                                            </p:txEl>
-                                          </p:spTgt>
-                                        </p:tgtEl>
-                                        <p:attrNameLst>
-                                          <p:attrName>style.color</p:attrName>
-                                        </p:attrNameLst>
-                                      </p:cBhvr>
-                                      <p:by>
-                                        <p:hsl h="0" s="-12549" l="-25098"/>
-                                      </p:by>
-                                    </p:animClr>
-                                    <p:animClr clrSpc="hsl" dir="cw">
-                                      <p:cBhvr>
-                                        <p:cTn id="7" dur="500" fill="hold"/>
-                                        <p:tgtEl>
-                                          <p:spTgt spid="3">
-                                            <p:txEl>
-                                              <p:pRg st="0" end="0"/>
-                                            </p:txEl>
-                                          </p:spTgt>
-                                        </p:tgtEl>
-                                        <p:attrNameLst>
-                                          <p:attrName>fillcolor</p:attrName>
-                                        </p:attrNameLst>
-                                      </p:cBhvr>
-                                      <p:by>
-                                        <p:hsl h="0" s="-12549" l="-25098"/>
-                                      </p:by>
-                                    </p:animClr>
-                                    <p:animClr clrSpc="hsl" dir="cw">
-                                      <p:cBhvr>
-                                        <p:cTn id="8" dur="500" fill="hold"/>
-                                        <p:tgtEl>
-                                          <p:spTgt spid="3">
-                                            <p:txEl>
-                                              <p:pRg st="0" end="0"/>
-                                            </p:txEl>
-                                          </p:spTgt>
-                                        </p:tgtEl>
-                                        <p:attrNameLst>
-                                          <p:attrName>stroke.color</p:attrName>
-                                        </p:attrNameLst>
-                                      </p:cBhvr>
-                                      <p:by>
-                                        <p:hsl h="0" s="-12549" l="-25098"/>
-                                      </p:by>
-                                    </p:animClr>
-                                    <p:set>
-                                      <p:cBhvr>
-                                        <p:cTn id="9" dur="500" fill="hold"/>
-                                        <p:tgtEl>
-                                          <p:spTgt spid="3">
-                                            <p:txEl>
-                                              <p:pRg st="0" end="0"/>
-                                            </p:txEl>
-                                          </p:spTgt>
-                                        </p:tgtEl>
-                                        <p:attrNameLst>
-                                          <p:attrName>fill.type</p:attrName>
-                                        </p:attrNameLst>
-                                      </p:cBhvr>
-                                      <p:to>
-                                        <p:strVal val="solid"/>
-                                      </p:to>
-                                    </p:set>
-                                  </p:childTnLst>
-                                </p:cTn>
-                              </p:par>
-                              <p:par>
-                                <p:cTn id="10" presetID="24" presetClass="emph" presetSubtype="0" fill="hold" nodeType="withEffect">
-                                  <p:stCondLst>
-                                    <p:cond delay="0"/>
-                                  </p:stCondLst>
-                                  <p:childTnLst>
-                                    <p:animClr clrSpc="hsl" dir="cw">
-                                      <p:cBhvr override="childStyle">
-                                        <p:cTn id="11" dur="500" fill="hold"/>
-                                        <p:tgtEl>
-                                          <p:spTgt spid="3">
-                                            <p:txEl>
-                                              <p:pRg st="1" end="1"/>
-                                            </p:txEl>
-                                          </p:spTgt>
-                                        </p:tgtEl>
-                                        <p:attrNameLst>
-                                          <p:attrName>style.color</p:attrName>
-                                        </p:attrNameLst>
-                                      </p:cBhvr>
-                                      <p:by>
-                                        <p:hsl h="0" s="-12549" l="-25098"/>
-                                      </p:by>
-                                    </p:animClr>
-                                    <p:animClr clrSpc="hsl" dir="cw">
-                                      <p:cBhvr>
-                                        <p:cTn id="12" dur="500" fill="hold"/>
-                                        <p:tgtEl>
-                                          <p:spTgt spid="3">
-                                            <p:txEl>
-                                              <p:pRg st="1" end="1"/>
-                                            </p:txEl>
-                                          </p:spTgt>
-                                        </p:tgtEl>
-                                        <p:attrNameLst>
-                                          <p:attrName>fillcolor</p:attrName>
-                                        </p:attrNameLst>
-                                      </p:cBhvr>
-                                      <p:by>
-                                        <p:hsl h="0" s="-12549" l="-25098"/>
-                                      </p:by>
-                                    </p:animClr>
-                                    <p:animClr clrSpc="hsl" dir="cw">
-                                      <p:cBhvr>
-                                        <p:cTn id="13" dur="500" fill="hold"/>
-                                        <p:tgtEl>
-                                          <p:spTgt spid="3">
-                                            <p:txEl>
-                                              <p:pRg st="1" end="1"/>
-                                            </p:txEl>
-                                          </p:spTgt>
-                                        </p:tgtEl>
-                                        <p:attrNameLst>
-                                          <p:attrName>stroke.color</p:attrName>
-                                        </p:attrNameLst>
-                                      </p:cBhvr>
-                                      <p:by>
-                                        <p:hsl h="0" s="-12549" l="-25098"/>
-                                      </p:by>
-                                    </p:animClr>
-                                    <p:set>
-                                      <p:cBhvr>
-                                        <p:cTn id="14" dur="500" fill="hold"/>
-                                        <p:tgtEl>
-                                          <p:spTgt spid="3">
-                                            <p:txEl>
-                                              <p:pRg st="1" end="1"/>
-                                            </p:txEl>
-                                          </p:spTgt>
-                                        </p:tgtEl>
-                                        <p:attrNameLst>
-                                          <p:attrName>fill.type</p:attrName>
-                                        </p:attrNameLst>
-                                      </p:cBhvr>
-                                      <p:to>
-                                        <p:strVal val="solid"/>
-                                      </p:to>
-                                    </p:set>
-                                  </p:childTnLst>
-                                </p:cTn>
-                              </p:par>
-                              <p:par>
-                                <p:cTn id="15" presetID="24" presetClass="emph" presetSubtype="0" fill="hold" nodeType="withEffect">
-                                  <p:stCondLst>
-                                    <p:cond delay="0"/>
-                                  </p:stCondLst>
-                                  <p:childTnLst>
-                                    <p:animClr clrSpc="hsl" dir="cw">
-                                      <p:cBhvr override="childStyle">
-                                        <p:cTn id="16" dur="500" fill="hold"/>
-                                        <p:tgtEl>
-                                          <p:spTgt spid="3">
-                                            <p:txEl>
-                                              <p:pRg st="2" end="2"/>
-                                            </p:txEl>
-                                          </p:spTgt>
-                                        </p:tgtEl>
-                                        <p:attrNameLst>
-                                          <p:attrName>style.color</p:attrName>
-                                        </p:attrNameLst>
-                                      </p:cBhvr>
-                                      <p:by>
-                                        <p:hsl h="0" s="-12549" l="-25098"/>
-                                      </p:by>
-                                    </p:animClr>
-                                    <p:animClr clrSpc="hsl" dir="cw">
-                                      <p:cBhvr>
-                                        <p:cTn id="17" dur="500" fill="hold"/>
-                                        <p:tgtEl>
-                                          <p:spTgt spid="3">
-                                            <p:txEl>
-                                              <p:pRg st="2" end="2"/>
-                                            </p:txEl>
-                                          </p:spTgt>
-                                        </p:tgtEl>
-                                        <p:attrNameLst>
-                                          <p:attrName>fillcolor</p:attrName>
-                                        </p:attrNameLst>
-                                      </p:cBhvr>
-                                      <p:by>
-                                        <p:hsl h="0" s="-12549" l="-25098"/>
-                                      </p:by>
-                                    </p:animClr>
-                                    <p:animClr clrSpc="hsl" dir="cw">
-                                      <p:cBhvr>
-                                        <p:cTn id="18" dur="500" fill="hold"/>
-                                        <p:tgtEl>
-                                          <p:spTgt spid="3">
-                                            <p:txEl>
-                                              <p:pRg st="2" end="2"/>
-                                            </p:txEl>
-                                          </p:spTgt>
-                                        </p:tgtEl>
-                                        <p:attrNameLst>
-                                          <p:attrName>stroke.color</p:attrName>
-                                        </p:attrNameLst>
-                                      </p:cBhvr>
-                                      <p:by>
-                                        <p:hsl h="0" s="-12549" l="-25098"/>
-                                      </p:by>
-                                    </p:animClr>
-                                    <p:set>
-                                      <p:cBhvr>
-                                        <p:cTn id="19" dur="500" fill="hold"/>
-                                        <p:tgtEl>
-                                          <p:spTgt spid="3">
-                                            <p:txEl>
-                                              <p:pRg st="2" end="2"/>
-                                            </p:txEl>
-                                          </p:spTgt>
-                                        </p:tgtEl>
-                                        <p:attrNameLst>
-                                          <p:attrName>fill.type</p:attrName>
-                                        </p:attrNameLst>
-                                      </p:cBhvr>
-                                      <p:to>
-                                        <p:strVal val="solid"/>
-                                      </p:to>
-                                    </p:set>
-                                  </p:childTnLst>
-                                </p:cTn>
-                              </p:par>
-                            </p:childTnLst>
-                          </p:cTn>
-                        </p:par>
-                      </p:childTnLst>
-                    </p:cTn>
-                  </p:par>
-                  <p:par>
-                    <p:cTn id="20" fill="hold">
-                      <p:stCondLst>
-                        <p:cond delay="indefinite"/>
-                      </p:stCondLst>
-                      <p:childTnLst>
-                        <p:par>
-                          <p:cTn id="21" fill="hold">
-                            <p:stCondLst>
-                              <p:cond delay="0"/>
-                            </p:stCondLst>
-                            <p:childTnLst>
-                              <p:par>
-                                <p:cTn id="22" presetID="24" presetClass="emph" presetSubtype="0" fill="hold" nodeType="clickEffect">
-                                  <p:stCondLst>
-                                    <p:cond delay="0"/>
-                                  </p:stCondLst>
-                                  <p:childTnLst>
-                                    <p:animClr clrSpc="hsl" dir="cw">
-                                      <p:cBhvr override="childStyle">
-                                        <p:cTn id="23" dur="500" fill="hold"/>
-                                        <p:tgtEl>
-                                          <p:spTgt spid="3">
-                                            <p:txEl>
-                                              <p:pRg st="3" end="3"/>
-                                            </p:txEl>
-                                          </p:spTgt>
-                                        </p:tgtEl>
-                                        <p:attrNameLst>
-                                          <p:attrName>style.color</p:attrName>
-                                        </p:attrNameLst>
-                                      </p:cBhvr>
-                                      <p:by>
-                                        <p:hsl h="0" s="-12549" l="-25098"/>
-                                      </p:by>
-                                    </p:animClr>
-                                    <p:animClr clrSpc="hsl" dir="cw">
-                                      <p:cBhvr>
-                                        <p:cTn id="24" dur="500" fill="hold"/>
-                                        <p:tgtEl>
-                                          <p:spTgt spid="3">
-                                            <p:txEl>
-                                              <p:pRg st="3" end="3"/>
-                                            </p:txEl>
-                                          </p:spTgt>
-                                        </p:tgtEl>
-                                        <p:attrNameLst>
-                                          <p:attrName>fillcolor</p:attrName>
-                                        </p:attrNameLst>
-                                      </p:cBhvr>
-                                      <p:by>
-                                        <p:hsl h="0" s="-12549" l="-25098"/>
-                                      </p:by>
-                                    </p:animClr>
-                                    <p:animClr clrSpc="hsl" dir="cw">
-                                      <p:cBhvr>
-                                        <p:cTn id="25" dur="500" fill="hold"/>
-                                        <p:tgtEl>
-                                          <p:spTgt spid="3">
-                                            <p:txEl>
-                                              <p:pRg st="3" end="3"/>
-                                            </p:txEl>
-                                          </p:spTgt>
-                                        </p:tgtEl>
-                                        <p:attrNameLst>
-                                          <p:attrName>stroke.color</p:attrName>
-                                        </p:attrNameLst>
-                                      </p:cBhvr>
-                                      <p:by>
-                                        <p:hsl h="0" s="-12549" l="-25098"/>
-                                      </p:by>
-                                    </p:animClr>
-                                    <p:set>
-                                      <p:cBhvr>
-                                        <p:cTn id="26" dur="500" fill="hold"/>
-                                        <p:tgtEl>
-                                          <p:spTgt spid="3">
-                                            <p:txEl>
-                                              <p:pRg st="3" end="3"/>
-                                            </p:txEl>
-                                          </p:spTgt>
-                                        </p:tgtEl>
-                                        <p:attrNameLst>
-                                          <p:attrName>fill.type</p:attrName>
-                                        </p:attrNameLst>
-                                      </p:cBhvr>
-                                      <p:to>
-                                        <p:strVal val="solid"/>
-                                      </p:to>
-                                    </p:set>
-                                  </p:childTnLst>
-                                </p:cTn>
-                              </p:par>
-                              <p:par>
-                                <p:cTn id="27" presetID="24" presetClass="emph" presetSubtype="0" fill="hold" nodeType="withEffect">
-                                  <p:stCondLst>
-                                    <p:cond delay="0"/>
-                                  </p:stCondLst>
-                                  <p:childTnLst>
-                                    <p:animClr clrSpc="hsl" dir="cw">
-                                      <p:cBhvr override="childStyle">
-                                        <p:cTn id="28" dur="500" fill="hold"/>
-                                        <p:tgtEl>
-                                          <p:spTgt spid="3">
-                                            <p:txEl>
-                                              <p:pRg st="4" end="4"/>
-                                            </p:txEl>
-                                          </p:spTgt>
-                                        </p:tgtEl>
-                                        <p:attrNameLst>
-                                          <p:attrName>style.color</p:attrName>
-                                        </p:attrNameLst>
-                                      </p:cBhvr>
-                                      <p:by>
-                                        <p:hsl h="0" s="-12549" l="-25098"/>
-                                      </p:by>
-                                    </p:animClr>
-                                    <p:animClr clrSpc="hsl" dir="cw">
-                                      <p:cBhvr>
-                                        <p:cTn id="29" dur="500" fill="hold"/>
-                                        <p:tgtEl>
-                                          <p:spTgt spid="3">
-                                            <p:txEl>
-                                              <p:pRg st="4" end="4"/>
-                                            </p:txEl>
-                                          </p:spTgt>
-                                        </p:tgtEl>
-                                        <p:attrNameLst>
-                                          <p:attrName>fillcolor</p:attrName>
-                                        </p:attrNameLst>
-                                      </p:cBhvr>
-                                      <p:by>
-                                        <p:hsl h="0" s="-12549" l="-25098"/>
-                                      </p:by>
-                                    </p:animClr>
-                                    <p:animClr clrSpc="hsl" dir="cw">
-                                      <p:cBhvr>
-                                        <p:cTn id="30" dur="500" fill="hold"/>
-                                        <p:tgtEl>
-                                          <p:spTgt spid="3">
-                                            <p:txEl>
-                                              <p:pRg st="4" end="4"/>
-                                            </p:txEl>
-                                          </p:spTgt>
-                                        </p:tgtEl>
-                                        <p:attrNameLst>
-                                          <p:attrName>stroke.color</p:attrName>
-                                        </p:attrNameLst>
-                                      </p:cBhvr>
-                                      <p:by>
-                                        <p:hsl h="0" s="-12549" l="-25098"/>
-                                      </p:by>
-                                    </p:animClr>
-                                    <p:set>
-                                      <p:cBhvr>
-                                        <p:cTn id="31" dur="500" fill="hold"/>
-                                        <p:tgtEl>
-                                          <p:spTgt spid="3">
-                                            <p:txEl>
-                                              <p:pRg st="4" end="4"/>
-                                            </p:txEl>
-                                          </p:spTgt>
-                                        </p:tgtEl>
-                                        <p:attrNameLst>
-                                          <p:attrName>fill.type</p:attrName>
-                                        </p:attrNameLst>
-                                      </p:cBhvr>
-                                      <p:to>
-                                        <p:strVal val="solid"/>
-                                      </p:to>
-                                    </p:set>
-                                  </p:childTnLst>
-                                </p:cTn>
-                              </p:par>
-                              <p:par>
-                                <p:cTn id="32" presetID="24" presetClass="emph" presetSubtype="0" fill="hold" nodeType="withEffect">
-                                  <p:stCondLst>
-                                    <p:cond delay="0"/>
-                                  </p:stCondLst>
-                                  <p:childTnLst>
-                                    <p:animClr clrSpc="hsl" dir="cw">
-                                      <p:cBhvr override="childStyle">
-                                        <p:cTn id="33" dur="500" fill="hold"/>
-                                        <p:tgtEl>
-                                          <p:spTgt spid="3">
-                                            <p:txEl>
-                                              <p:pRg st="5" end="5"/>
-                                            </p:txEl>
-                                          </p:spTgt>
-                                        </p:tgtEl>
-                                        <p:attrNameLst>
-                                          <p:attrName>style.color</p:attrName>
-                                        </p:attrNameLst>
-                                      </p:cBhvr>
-                                      <p:by>
-                                        <p:hsl h="0" s="-12549" l="-25098"/>
-                                      </p:by>
-                                    </p:animClr>
-                                    <p:animClr clrSpc="hsl" dir="cw">
-                                      <p:cBhvr>
-                                        <p:cTn id="34" dur="500" fill="hold"/>
-                                        <p:tgtEl>
-                                          <p:spTgt spid="3">
-                                            <p:txEl>
-                                              <p:pRg st="5" end="5"/>
-                                            </p:txEl>
-                                          </p:spTgt>
-                                        </p:tgtEl>
-                                        <p:attrNameLst>
-                                          <p:attrName>fillcolor</p:attrName>
-                                        </p:attrNameLst>
-                                      </p:cBhvr>
-                                      <p:by>
-                                        <p:hsl h="0" s="-12549" l="-25098"/>
-                                      </p:by>
-                                    </p:animClr>
-                                    <p:animClr clrSpc="hsl" dir="cw">
-                                      <p:cBhvr>
-                                        <p:cTn id="35" dur="500" fill="hold"/>
-                                        <p:tgtEl>
-                                          <p:spTgt spid="3">
-                                            <p:txEl>
-                                              <p:pRg st="5" end="5"/>
-                                            </p:txEl>
-                                          </p:spTgt>
-                                        </p:tgtEl>
-                                        <p:attrNameLst>
-                                          <p:attrName>stroke.color</p:attrName>
-                                        </p:attrNameLst>
-                                      </p:cBhvr>
-                                      <p:by>
-                                        <p:hsl h="0" s="-12549" l="-25098"/>
-                                      </p:by>
-                                    </p:animClr>
-                                    <p:set>
-                                      <p:cBhvr>
-                                        <p:cTn id="36" dur="500" fill="hold"/>
-                                        <p:tgtEl>
-                                          <p:spTgt spid="3">
-                                            <p:txEl>
-                                              <p:pRg st="5" end="5"/>
-                                            </p:txEl>
-                                          </p:spTgt>
-                                        </p:tgtEl>
-                                        <p:attrNameLst>
-                                          <p:attrName>fill.type</p:attrName>
-                                        </p:attrNameLst>
-                                      </p:cBhvr>
-                                      <p:to>
-                                        <p:strVal val="solid"/>
-                                      </p:to>
-                                    </p:set>
-                                  </p:childTnLst>
-                                </p:cTn>
-                              </p:par>
-                            </p:childTnLst>
-                          </p:cTn>
-                        </p:par>
-                      </p:childTnLst>
-                    </p:cTn>
-                  </p:par>
-                </p:childTnLst>
-              </p:cTn>
-              <p:prevCondLst>
-                <p:cond evt="onPrev" delay="0">
-                  <p:tgtEl>
-                    <p:sldTgt/>
-                  </p:tgtEl>
-                </p:cond>
-              </p:prevCondLst>
-              <p:nextCondLst>
-                <p:cond evt="onNext" delay="0">
-                  <p:tgtEl>
-                    <p:sldTgt/>
-                  </p:tgtEl>
-                </p:cond>
-              </p:nextCondLst>
-            </p:seq>
-          </p:childTnLst>
-        </p:cTn>
-      </p:par>
-    </p:tnLst>
-  </p:timing>
-</p:sld>
-</file>
-
-<file path=ppt/slides/slide40.xml><?xml version="1.0" encoding="utf-8"?>
+<file path=ppt/slides/slide39.xml><?xml version="1.0" encoding="utf-8"?>
 <p:sld xmlns:a="http://schemas.openxmlformats.org/drawingml/2006/main" xmlns:r="http://schemas.openxmlformats.org/officeDocument/2006/relationships" xmlns:p="http://schemas.openxmlformats.org/presentationml/2006/main">
   <p:cSld>
     <p:spTree>
@@ -29720,7 +27970,90 @@
 </p:sld>
 </file>
 
-<file path=ppt/slides/slide41.xml><?xml version="1.0" encoding="utf-8"?>
+<file path=ppt/slides/slide4.xml><?xml version="1.0" encoding="utf-8"?>
+<p:sld xmlns:a="http://schemas.openxmlformats.org/drawingml/2006/main" xmlns:r="http://schemas.openxmlformats.org/officeDocument/2006/relationships" xmlns:p="http://schemas.openxmlformats.org/presentationml/2006/main">
+  <p:cSld>
+    <p:spTree>
+      <p:nvGrpSpPr>
+        <p:cNvPr id="1" name=""/>
+        <p:cNvGrpSpPr/>
+        <p:nvPr/>
+      </p:nvGrpSpPr>
+      <p:grpSpPr>
+        <a:xfrm>
+          <a:off x="0" y="0"/>
+          <a:ext cx="0" cy="0"/>
+          <a:chOff x="0" y="0"/>
+          <a:chExt cx="0" cy="0"/>
+        </a:xfrm>
+      </p:grpSpPr>
+      <p:sp>
+        <p:nvSpPr>
+          <p:cNvPr id="2" name="Title 1">
+            <a:extLst>
+              <a:ext uri="{FF2B5EF4-FFF2-40B4-BE49-F238E27FC236}">
+                <a16:creationId xmlns:a16="http://schemas.microsoft.com/office/drawing/2014/main" id="{861759EC-B884-4B50-92B4-30332C5EB947}"/>
+              </a:ext>
+            </a:extLst>
+          </p:cNvPr>
+          <p:cNvSpPr>
+            <a:spLocks noGrp="1"/>
+          </p:cNvSpPr>
+          <p:nvPr>
+            <p:ph type="title"/>
+          </p:nvPr>
+        </p:nvSpPr>
+        <p:spPr/>
+        <p:txBody>
+          <a:bodyPr/>
+          <a:lstStyle/>
+          <a:p>
+            <a:r>
+              <a:rPr lang="en-US" dirty="0"/>
+              <a:t>Questions so far?</a:t>
+            </a:r>
+          </a:p>
+        </p:txBody>
+      </p:sp>
+      <p:sp>
+        <p:nvSpPr>
+          <p:cNvPr id="3" name="Text Placeholder 2">
+            <a:extLst>
+              <a:ext uri="{FF2B5EF4-FFF2-40B4-BE49-F238E27FC236}">
+                <a16:creationId xmlns:a16="http://schemas.microsoft.com/office/drawing/2014/main" id="{A98C2275-BA77-49E5-9EF4-08FE96D669EF}"/>
+              </a:ext>
+            </a:extLst>
+          </p:cNvPr>
+          <p:cNvSpPr>
+            <a:spLocks noGrp="1"/>
+          </p:cNvSpPr>
+          <p:nvPr>
+            <p:ph type="body" idx="1"/>
+          </p:nvPr>
+        </p:nvSpPr>
+        <p:spPr/>
+        <p:txBody>
+          <a:bodyPr/>
+          <a:lstStyle/>
+          <a:p>
+            <a:endParaRPr lang="en-US"/>
+          </a:p>
+        </p:txBody>
+      </p:sp>
+    </p:spTree>
+    <p:extLst>
+      <p:ext uri="{BB962C8B-B14F-4D97-AF65-F5344CB8AC3E}">
+        <p14:creationId xmlns:p14="http://schemas.microsoft.com/office/powerpoint/2010/main" val="1686396593"/>
+      </p:ext>
+    </p:extLst>
+  </p:cSld>
+  <p:clrMapOvr>
+    <a:masterClrMapping/>
+  </p:clrMapOvr>
+</p:sld>
+</file>
+
+<file path=ppt/slides/slide40.xml><?xml version="1.0" encoding="utf-8"?>
 <p:sld xmlns:a="http://schemas.openxmlformats.org/drawingml/2006/main" xmlns:r="http://schemas.openxmlformats.org/officeDocument/2006/relationships" xmlns:p="http://schemas.openxmlformats.org/presentationml/2006/main">
   <p:cSld>
     <p:spTree>
@@ -29865,7 +28198,7 @@
 </p:sld>
 </file>
 
-<file path=ppt/slides/slide42.xml><?xml version="1.0" encoding="utf-8"?>
+<file path=ppt/slides/slide41.xml><?xml version="1.0" encoding="utf-8"?>
 <p:sld xmlns:a="http://schemas.openxmlformats.org/drawingml/2006/main" xmlns:r="http://schemas.openxmlformats.org/officeDocument/2006/relationships" xmlns:p="http://schemas.openxmlformats.org/presentationml/2006/main">
   <p:cSld>
     <p:spTree>
@@ -30169,7 +28502,7 @@
 </p:sld>
 </file>
 
-<file path=ppt/slides/slide43.xml><?xml version="1.0" encoding="utf-8"?>
+<file path=ppt/slides/slide42.xml><?xml version="1.0" encoding="utf-8"?>
 <p:sld xmlns:a="http://schemas.openxmlformats.org/drawingml/2006/main" xmlns:r="http://schemas.openxmlformats.org/officeDocument/2006/relationships" xmlns:p="http://schemas.openxmlformats.org/presentationml/2006/main">
   <p:cSld>
     <p:spTree>
@@ -30346,7 +28679,7 @@
 </p:sld>
 </file>
 
-<file path=ppt/slides/slide44.xml><?xml version="1.0" encoding="utf-8"?>
+<file path=ppt/slides/slide43.xml><?xml version="1.0" encoding="utf-8"?>
 <p:sld xmlns:a="http://schemas.openxmlformats.org/drawingml/2006/main" xmlns:r="http://schemas.openxmlformats.org/officeDocument/2006/relationships" xmlns:p="http://schemas.openxmlformats.org/presentationml/2006/main">
   <p:cSld>
     <p:spTree>
@@ -30596,7 +28929,7 @@
 </p:sld>
 </file>
 
-<file path=ppt/slides/slide45.xml><?xml version="1.0" encoding="utf-8"?>
+<file path=ppt/slides/slide44.xml><?xml version="1.0" encoding="utf-8"?>
 <p:sld xmlns:a="http://schemas.openxmlformats.org/drawingml/2006/main" xmlns:r="http://schemas.openxmlformats.org/officeDocument/2006/relationships" xmlns:p="http://schemas.openxmlformats.org/presentationml/2006/main">
   <p:cSld>
     <p:spTree>
@@ -31012,7 +29345,7 @@
 </p:sld>
 </file>
 
-<file path=ppt/slides/slide46.xml><?xml version="1.0" encoding="utf-8"?>
+<file path=ppt/slides/slide45.xml><?xml version="1.0" encoding="utf-8"?>
 <p:sld xmlns:a="http://schemas.openxmlformats.org/drawingml/2006/main" xmlns:r="http://schemas.openxmlformats.org/officeDocument/2006/relationships" xmlns:p="http://schemas.openxmlformats.org/presentationml/2006/main">
   <p:cSld>
     <p:spTree>
@@ -31442,7 +29775,7 @@
 </p:sld>
 </file>
 
-<file path=ppt/slides/slide47.xml><?xml version="1.0" encoding="utf-8"?>
+<file path=ppt/slides/slide46.xml><?xml version="1.0" encoding="utf-8"?>
 <p:sld xmlns:a="http://schemas.openxmlformats.org/drawingml/2006/main" xmlns:r="http://schemas.openxmlformats.org/officeDocument/2006/relationships" xmlns:p="http://schemas.openxmlformats.org/presentationml/2006/main">
   <p:cSld>
     <p:spTree>
@@ -31873,7 +30206,7 @@
 </p:sld>
 </file>
 
-<file path=ppt/slides/slide48.xml><?xml version="1.0" encoding="utf-8"?>
+<file path=ppt/slides/slide47.xml><?xml version="1.0" encoding="utf-8"?>
 <p:sld xmlns:a="http://schemas.openxmlformats.org/drawingml/2006/main" xmlns:r="http://schemas.openxmlformats.org/officeDocument/2006/relationships" xmlns:p="http://schemas.openxmlformats.org/presentationml/2006/main">
   <p:cSld>
     <p:spTree>
@@ -32200,89 +30533,6 @@
           <a:p>
             <a:r>
               <a:rPr lang="en-US" dirty="0"/>
-              <a:t>Questions so far?</a:t>
-            </a:r>
-          </a:p>
-        </p:txBody>
-      </p:sp>
-      <p:sp>
-        <p:nvSpPr>
-          <p:cNvPr id="3" name="Text Placeholder 2">
-            <a:extLst>
-              <a:ext uri="{FF2B5EF4-FFF2-40B4-BE49-F238E27FC236}">
-                <a16:creationId xmlns:a16="http://schemas.microsoft.com/office/drawing/2014/main" id="{A98C2275-BA77-49E5-9EF4-08FE96D669EF}"/>
-              </a:ext>
-            </a:extLst>
-          </p:cNvPr>
-          <p:cNvSpPr>
-            <a:spLocks noGrp="1"/>
-          </p:cNvSpPr>
-          <p:nvPr>
-            <p:ph type="body" idx="1"/>
-          </p:nvPr>
-        </p:nvSpPr>
-        <p:spPr/>
-        <p:txBody>
-          <a:bodyPr/>
-          <a:lstStyle/>
-          <a:p>
-            <a:endParaRPr lang="en-US"/>
-          </a:p>
-        </p:txBody>
-      </p:sp>
-    </p:spTree>
-    <p:extLst>
-      <p:ext uri="{BB962C8B-B14F-4D97-AF65-F5344CB8AC3E}">
-        <p14:creationId xmlns:p14="http://schemas.microsoft.com/office/powerpoint/2010/main" val="1686396593"/>
-      </p:ext>
-    </p:extLst>
-  </p:cSld>
-  <p:clrMapOvr>
-    <a:masterClrMapping/>
-  </p:clrMapOvr>
-</p:sld>
-</file>
-
-<file path=ppt/slides/slide6.xml><?xml version="1.0" encoding="utf-8"?>
-<p:sld xmlns:a="http://schemas.openxmlformats.org/drawingml/2006/main" xmlns:r="http://schemas.openxmlformats.org/officeDocument/2006/relationships" xmlns:p="http://schemas.openxmlformats.org/presentationml/2006/main">
-  <p:cSld>
-    <p:spTree>
-      <p:nvGrpSpPr>
-        <p:cNvPr id="1" name=""/>
-        <p:cNvGrpSpPr/>
-        <p:nvPr/>
-      </p:nvGrpSpPr>
-      <p:grpSpPr>
-        <a:xfrm>
-          <a:off x="0" y="0"/>
-          <a:ext cx="0" cy="0"/>
-          <a:chOff x="0" y="0"/>
-          <a:chExt cx="0" cy="0"/>
-        </a:xfrm>
-      </p:grpSpPr>
-      <p:sp>
-        <p:nvSpPr>
-          <p:cNvPr id="2" name="Title 1">
-            <a:extLst>
-              <a:ext uri="{FF2B5EF4-FFF2-40B4-BE49-F238E27FC236}">
-                <a16:creationId xmlns:a16="http://schemas.microsoft.com/office/drawing/2014/main" id="{861759EC-B884-4B50-92B4-30332C5EB947}"/>
-              </a:ext>
-            </a:extLst>
-          </p:cNvPr>
-          <p:cNvSpPr>
-            <a:spLocks noGrp="1"/>
-          </p:cNvSpPr>
-          <p:nvPr>
-            <p:ph type="title"/>
-          </p:nvPr>
-        </p:nvSpPr>
-        <p:spPr/>
-        <p:txBody>
-          <a:bodyPr/>
-          <a:lstStyle/>
-          <a:p>
-            <a:r>
-              <a:rPr lang="en-US" dirty="0"/>
               <a:t>Formulation</a:t>
             </a:r>
           </a:p>
@@ -32345,7 +30595,7 @@
 </p:sld>
 </file>
 
-<file path=ppt/slides/slide7.xml><?xml version="1.0" encoding="utf-8"?>
+<file path=ppt/slides/slide6.xml><?xml version="1.0" encoding="utf-8"?>
 <p:sld xmlns:a="http://schemas.openxmlformats.org/drawingml/2006/main" xmlns:r="http://schemas.openxmlformats.org/officeDocument/2006/relationships" xmlns:p="http://schemas.openxmlformats.org/presentationml/2006/main">
   <p:cSld>
     <p:spTree>
@@ -33174,7 +31424,7 @@
 </p:sld>
 </file>
 
-<file path=ppt/slides/slide8.xml><?xml version="1.0" encoding="utf-8"?>
+<file path=ppt/slides/slide7.xml><?xml version="1.0" encoding="utf-8"?>
 <p:sld xmlns:a="http://schemas.openxmlformats.org/drawingml/2006/main" xmlns:r="http://schemas.openxmlformats.org/officeDocument/2006/relationships" xmlns:p="http://schemas.openxmlformats.org/presentationml/2006/main">
   <p:cSld>
     <p:spTree>
@@ -34036,7 +32286,7 @@
 </p:sld>
 </file>
 
-<file path=ppt/slides/slide9.xml><?xml version="1.0" encoding="utf-8"?>
+<file path=ppt/slides/slide8.xml><?xml version="1.0" encoding="utf-8"?>
 <p:sld xmlns:a="http://schemas.openxmlformats.org/drawingml/2006/main" xmlns:r="http://schemas.openxmlformats.org/officeDocument/2006/relationships" xmlns:p="http://schemas.openxmlformats.org/presentationml/2006/main">
   <p:cSld>
     <p:spTree>
@@ -34134,6 +32384,152 @@
 </p:sld>
 </file>
 
+<file path=ppt/slides/slide9.xml><?xml version="1.0" encoding="utf-8"?>
+<p:sld xmlns:a="http://schemas.openxmlformats.org/drawingml/2006/main" xmlns:r="http://schemas.openxmlformats.org/officeDocument/2006/relationships" xmlns:p="http://schemas.openxmlformats.org/presentationml/2006/main" show="0">
+  <p:cSld>
+    <p:spTree>
+      <p:nvGrpSpPr>
+        <p:cNvPr id="1" name=""/>
+        <p:cNvGrpSpPr/>
+        <p:nvPr/>
+      </p:nvGrpSpPr>
+      <p:grpSpPr>
+        <a:xfrm>
+          <a:off x="0" y="0"/>
+          <a:ext cx="0" cy="0"/>
+          <a:chOff x="0" y="0"/>
+          <a:chExt cx="0" cy="0"/>
+        </a:xfrm>
+      </p:grpSpPr>
+      <p:pic>
+        <p:nvPicPr>
+          <p:cNvPr id="5" name="Picture 4">
+            <a:extLst>
+              <a:ext uri="{FF2B5EF4-FFF2-40B4-BE49-F238E27FC236}">
+                <a16:creationId xmlns:a16="http://schemas.microsoft.com/office/drawing/2014/main" id="{C9E50914-F24F-4B8C-BD87-34848F784F3C}"/>
+              </a:ext>
+            </a:extLst>
+          </p:cNvPr>
+          <p:cNvPicPr>
+            <a:picLocks noChangeAspect="1"/>
+          </p:cNvPicPr>
+          <p:nvPr/>
+        </p:nvPicPr>
+        <p:blipFill>
+          <a:blip r:embed="rId3">
+            <a:extLst>
+              <a:ext uri="{28A0092B-C50C-407E-A947-70E740481C1C}">
+                <a14:useLocalDpi xmlns:a14="http://schemas.microsoft.com/office/drawing/2010/main" val="0"/>
+              </a:ext>
+            </a:extLst>
+          </a:blip>
+          <a:stretch>
+            <a:fillRect/>
+          </a:stretch>
+        </p:blipFill>
+        <p:spPr>
+          <a:xfrm>
+            <a:off x="2621371" y="2934927"/>
+            <a:ext cx="6697010" cy="3762900"/>
+          </a:xfrm>
+          <a:prstGeom prst="rect">
+            <a:avLst/>
+          </a:prstGeom>
+        </p:spPr>
+      </p:pic>
+      <p:sp>
+        <p:nvSpPr>
+          <p:cNvPr id="2" name="Title 1">
+            <a:extLst>
+              <a:ext uri="{FF2B5EF4-FFF2-40B4-BE49-F238E27FC236}">
+                <a16:creationId xmlns:a16="http://schemas.microsoft.com/office/drawing/2014/main" id="{A3F0AA6A-96EE-47E6-BB75-C801308161F4}"/>
+              </a:ext>
+            </a:extLst>
+          </p:cNvPr>
+          <p:cNvSpPr>
+            <a:spLocks noGrp="1"/>
+          </p:cNvSpPr>
+          <p:nvPr>
+            <p:ph type="title"/>
+          </p:nvPr>
+        </p:nvSpPr>
+        <p:spPr/>
+        <p:txBody>
+          <a:bodyPr/>
+          <a:lstStyle/>
+          <a:p>
+            <a:r>
+              <a:rPr lang="en-US" dirty="0"/>
+              <a:t>Overview of Approach</a:t>
+            </a:r>
+          </a:p>
+        </p:txBody>
+      </p:sp>
+      <p:sp>
+        <p:nvSpPr>
+          <p:cNvPr id="3" name="Content Placeholder 2">
+            <a:extLst>
+              <a:ext uri="{FF2B5EF4-FFF2-40B4-BE49-F238E27FC236}">
+                <a16:creationId xmlns:a16="http://schemas.microsoft.com/office/drawing/2014/main" id="{5742D368-FCA5-4EDA-91C0-A4B5ECD7C620}"/>
+              </a:ext>
+            </a:extLst>
+          </p:cNvPr>
+          <p:cNvSpPr>
+            <a:spLocks noGrp="1"/>
+          </p:cNvSpPr>
+          <p:nvPr>
+            <p:ph idx="1"/>
+          </p:nvPr>
+        </p:nvSpPr>
+        <p:spPr/>
+        <p:txBody>
+          <a:bodyPr>
+            <a:normAutofit/>
+          </a:bodyPr>
+          <a:lstStyle/>
+          <a:p>
+            <a:r>
+              <a:rPr lang="en-US" dirty="0"/>
+              <a:t>Cycle of propagation and truncation</a:t>
+            </a:r>
+          </a:p>
+          <a:p>
+            <a:pPr lvl="1"/>
+            <a:r>
+              <a:rPr lang="en-US" b="1" dirty="0"/>
+              <a:t>Propagation</a:t>
+            </a:r>
+            <a:r>
+              <a:rPr lang="en-US" dirty="0"/>
+              <a:t> of estimated robot state distribution (Gaussian)</a:t>
+            </a:r>
+          </a:p>
+          <a:p>
+            <a:pPr lvl="1"/>
+            <a:r>
+              <a:rPr lang="en-US" b="1" dirty="0"/>
+              <a:t>Truncation</a:t>
+            </a:r>
+            <a:r>
+              <a:rPr lang="en-US" dirty="0"/>
+              <a:t> of estimated robot state distribution based on obstacles</a:t>
+            </a:r>
+          </a:p>
+        </p:txBody>
+      </p:sp>
+    </p:spTree>
+    <p:extLst>
+      <p:ext uri="{BB962C8B-B14F-4D97-AF65-F5344CB8AC3E}">
+        <p14:creationId xmlns:p14="http://schemas.microsoft.com/office/powerpoint/2010/main" val="505135681"/>
+      </p:ext>
+    </p:extLst>
+  </p:cSld>
+  <p:clrMapOvr>
+    <a:masterClrMapping/>
+  </p:clrMapOvr>
+</p:sld>
+</file>
+
 <file path=ppt/tags/tag1.xml><?xml version="1.0" encoding="utf-8"?>
 <p:tagLst xmlns:a="http://schemas.openxmlformats.org/drawingml/2006/main" xmlns:r="http://schemas.openxmlformats.org/officeDocument/2006/relationships" xmlns:p="http://schemas.openxmlformats.org/presentationml/2006/main">
   <p:tag name="TIMING" val="|35.8"/>
@@ -34142,13 +32538,13 @@
 
 <file path=ppt/tags/tag2.xml><?xml version="1.0" encoding="utf-8"?>
 <p:tagLst xmlns:a="http://schemas.openxmlformats.org/drawingml/2006/main" xmlns:r="http://schemas.openxmlformats.org/officeDocument/2006/relationships" xmlns:p="http://schemas.openxmlformats.org/presentationml/2006/main">
-  <p:tag name="TIMING" val="|9.8|28.5|59.8"/>
+  <p:tag name="TIMING" val="|1.5"/>
 </p:tagLst>
 </file>
 
 <file path=ppt/tags/tag3.xml><?xml version="1.0" encoding="utf-8"?>
 <p:tagLst xmlns:a="http://schemas.openxmlformats.org/drawingml/2006/main" xmlns:r="http://schemas.openxmlformats.org/officeDocument/2006/relationships" xmlns:p="http://schemas.openxmlformats.org/presentationml/2006/main">
-  <p:tag name="TIMING" val="|1.5"/>
+  <p:tag name="TIMING" val="|10.9"/>
 </p:tagLst>
 </file>
 
@@ -34159,12 +32555,6 @@
 </file>
 
 <file path=ppt/tags/tag5.xml><?xml version="1.0" encoding="utf-8"?>
-<p:tagLst xmlns:a="http://schemas.openxmlformats.org/drawingml/2006/main" xmlns:r="http://schemas.openxmlformats.org/officeDocument/2006/relationships" xmlns:p="http://schemas.openxmlformats.org/presentationml/2006/main">
-  <p:tag name="TIMING" val="|10.9"/>
-</p:tagLst>
-</file>
-
-<file path=ppt/tags/tag6.xml><?xml version="1.0" encoding="utf-8"?>
 <p:tagLst xmlns:a="http://schemas.openxmlformats.org/drawingml/2006/main" xmlns:r="http://schemas.openxmlformats.org/officeDocument/2006/relationships" xmlns:p="http://schemas.openxmlformats.org/presentationml/2006/main">
   <p:tag name="TIMING" val="|1.5"/>
 </p:tagLst>
